--- a/IntroPythonProgramming.pptx
+++ b/IntroPythonProgramming.pptx
@@ -339,7 +339,7 @@
           <a:p>
             <a:fld id="{34E9FA72-5B2F-4056-8230-2D4816300592}" type="datetimeFigureOut">
               <a:rPr lang="en-US" smtClean="0"/>
-              <a:t>8/23/2015</a:t>
+              <a:t>8/24/2015</a:t>
             </a:fld>
             <a:endParaRPr lang="en-US"/>
           </a:p>
@@ -833,7 +833,7 @@
           <a:p>
             <a:fld id="{4828AC40-3F1F-4287-B648-E479C539655D}" type="datetime1">
               <a:rPr lang="en-US" smtClean="0"/>
-              <a:t>8/23/2015</a:t>
+              <a:t>8/24/2015</a:t>
             </a:fld>
             <a:endParaRPr lang="en-US" dirty="0"/>
           </a:p>
@@ -1040,7 +1040,7 @@
           <a:p>
             <a:fld id="{E7700E1A-B251-4252-A67B-F9B1F62524B6}" type="datetime1">
               <a:rPr lang="en-US" smtClean="0"/>
-              <a:t>8/23/2015</a:t>
+              <a:t>8/24/2015</a:t>
             </a:fld>
             <a:endParaRPr lang="en-US" dirty="0"/>
           </a:p>
@@ -1295,7 +1295,7 @@
           <a:p>
             <a:fld id="{29E0C50A-059C-4C9F-BB15-7564CE1127BD}" type="datetime1">
               <a:rPr lang="en-US" smtClean="0"/>
-              <a:t>8/23/2015</a:t>
+              <a:t>8/24/2015</a:t>
             </a:fld>
             <a:endParaRPr lang="en-US" dirty="0"/>
           </a:p>
@@ -1464,7 +1464,7 @@
           <a:p>
             <a:fld id="{6BAAC715-7398-45CE-8ACC-8A7416757E28}" type="datetime1">
               <a:rPr lang="en-US" smtClean="0"/>
-              <a:t>8/23/2015</a:t>
+              <a:t>8/24/2015</a:t>
             </a:fld>
             <a:endParaRPr lang="en-US" dirty="0"/>
           </a:p>
@@ -1806,7 +1806,7 @@
           <a:p>
             <a:fld id="{224D8549-DACB-4656-A04E-26912D492B2F}" type="datetime1">
               <a:rPr lang="en-US" smtClean="0"/>
-              <a:t>8/23/2015</a:t>
+              <a:t>8/24/2015</a:t>
             </a:fld>
             <a:endParaRPr lang="en-US" dirty="0"/>
           </a:p>
@@ -2080,7 +2080,7 @@
           <a:p>
             <a:fld id="{FFEC8307-B600-4003-A3D4-945758EEDCBC}" type="datetime1">
               <a:rPr lang="en-US" smtClean="0"/>
-              <a:t>8/23/2015</a:t>
+              <a:t>8/24/2015</a:t>
             </a:fld>
             <a:endParaRPr lang="en-US" dirty="0"/>
           </a:p>
@@ -2458,7 +2458,7 @@
           <a:p>
             <a:fld id="{8C750A51-68FC-4392-A973-EA7C3F3D6B9F}" type="datetime1">
               <a:rPr lang="en-US" smtClean="0"/>
-              <a:t>8/23/2015</a:t>
+              <a:t>8/24/2015</a:t>
             </a:fld>
             <a:endParaRPr lang="en-US" dirty="0"/>
           </a:p>
@@ -2575,7 +2575,7 @@
           <a:p>
             <a:fld id="{990E794D-8743-422F-9D40-3FC07BAD0263}" type="datetime1">
               <a:rPr lang="en-US" smtClean="0"/>
-              <a:t>8/23/2015</a:t>
+              <a:t>8/24/2015</a:t>
             </a:fld>
             <a:endParaRPr lang="en-US" dirty="0"/>
           </a:p>
@@ -2745,7 +2745,7 @@
           <a:p>
             <a:fld id="{C0423034-8BE3-44C3-9BD7-9336267E7BF0}" type="datetime1">
               <a:rPr lang="en-US" smtClean="0"/>
-              <a:t>8/23/2015</a:t>
+              <a:t>8/24/2015</a:t>
             </a:fld>
             <a:endParaRPr lang="en-US" dirty="0"/>
           </a:p>
@@ -3099,7 +3099,7 @@
           <a:p>
             <a:fld id="{55359EE2-E2D3-4AD9-A770-0C0D945AE5F3}" type="datetime1">
               <a:rPr lang="en-US" smtClean="0"/>
-              <a:t>8/23/2015</a:t>
+              <a:t>8/24/2015</a:t>
             </a:fld>
             <a:endParaRPr lang="en-US" dirty="0"/>
           </a:p>
@@ -3476,7 +3476,7 @@
           <a:p>
             <a:fld id="{0009B968-2C68-4AEC-AB66-D6F66CA3904C}" type="datetime1">
               <a:rPr lang="en-US" smtClean="0"/>
-              <a:t>8/23/2015</a:t>
+              <a:t>8/24/2015</a:t>
             </a:fld>
             <a:endParaRPr lang="en-US" dirty="0"/>
           </a:p>
@@ -3762,7 +3762,7 @@
           <a:p>
             <a:fld id="{B3283CE9-B77B-4CF7-B5B8-E6B87E1C6303}" type="datetime1">
               <a:rPr lang="en-US" smtClean="0"/>
-              <a:t>8/23/2015</a:t>
+              <a:t>8/24/2015</a:t>
             </a:fld>
             <a:endParaRPr lang="en-US" dirty="0"/>
           </a:p>
@@ -16502,19 +16502,82 @@
                           <a:latin typeface="Consolas" panose="020B0609020204030204" pitchFamily="49" charset="0"/>
                           <a:cs typeface="Consolas" panose="020B0609020204030204" pitchFamily="49" charset="0"/>
                         </a:rPr>
-                        <a:t> </a:t>
+                        <a:t> = input("enter side a: ")</a:t>
+                      </a:r>
+                    </a:p>
+                    <a:p>
+                      <a:r>
+                        <a:rPr lang="en-US" sz="1600" dirty="0" err="1" smtClean="0">
+                          <a:latin typeface="Consolas" panose="020B0609020204030204" pitchFamily="49" charset="0"/>
+                          <a:cs typeface="Consolas" panose="020B0609020204030204" pitchFamily="49" charset="0"/>
+                        </a:rPr>
+                        <a:t>side_b</a:t>
                       </a:r>
                       <a:r>
                         <a:rPr lang="en-US" sz="1600" dirty="0" smtClean="0">
                           <a:latin typeface="Consolas" panose="020B0609020204030204" pitchFamily="49" charset="0"/>
                           <a:cs typeface="Consolas" panose="020B0609020204030204" pitchFamily="49" charset="0"/>
                         </a:rPr>
-                        <a:t>= input("enter side a: ")</a:t>
+                        <a:t> = input("enter side b: ")</a:t>
                       </a:r>
                     </a:p>
                     <a:p>
                       <a:r>
                         <a:rPr lang="en-US" sz="1600" dirty="0" err="1" smtClean="0">
+                          <a:solidFill>
+                            <a:srgbClr val="FFC000"/>
+                          </a:solidFill>
+                          <a:latin typeface="Consolas" panose="020B0609020204030204" pitchFamily="49" charset="0"/>
+                          <a:cs typeface="Consolas" panose="020B0609020204030204" pitchFamily="49" charset="0"/>
+                        </a:rPr>
+                        <a:t>side_c</a:t>
+                      </a:r>
+                      <a:r>
+                        <a:rPr lang="en-US" sz="1600" dirty="0" smtClean="0">
+                          <a:latin typeface="Consolas" panose="020B0609020204030204" pitchFamily="49" charset="0"/>
+                          <a:cs typeface="Consolas" panose="020B0609020204030204" pitchFamily="49" charset="0"/>
+                        </a:rPr>
+                        <a:t> = </a:t>
+                      </a:r>
+                      <a:r>
+                        <a:rPr lang="en-US" sz="1600" dirty="0" err="1" smtClean="0">
+                          <a:solidFill>
+                            <a:srgbClr val="FFFF00"/>
+                          </a:solidFill>
+                          <a:latin typeface="Consolas" panose="020B0609020204030204" pitchFamily="49" charset="0"/>
+                          <a:cs typeface="Consolas" panose="020B0609020204030204" pitchFamily="49" charset="0"/>
+                        </a:rPr>
+                        <a:t>pythag</a:t>
+                      </a:r>
+                      <a:r>
+                        <a:rPr lang="en-US" sz="1600" dirty="0" smtClean="0">
+                          <a:latin typeface="Consolas" panose="020B0609020204030204" pitchFamily="49" charset="0"/>
+                          <a:cs typeface="Consolas" panose="020B0609020204030204" pitchFamily="49" charset="0"/>
+                        </a:rPr>
+                        <a:t>(</a:t>
+                      </a:r>
+                      <a:r>
+                        <a:rPr lang="en-US" sz="1600" dirty="0" err="1" smtClean="0">
+                          <a:solidFill>
+                            <a:schemeClr val="tx1"/>
+                          </a:solidFill>
+                          <a:latin typeface="Consolas" panose="020B0609020204030204" pitchFamily="49" charset="0"/>
+                          <a:cs typeface="Consolas" panose="020B0609020204030204" pitchFamily="49" charset="0"/>
+                        </a:rPr>
+                        <a:t>side_a</a:t>
+                      </a:r>
+                      <a:r>
+                        <a:rPr lang="en-US" sz="1600" dirty="0" smtClean="0">
+                          <a:latin typeface="Consolas" panose="020B0609020204030204" pitchFamily="49" charset="0"/>
+                          <a:cs typeface="Consolas" panose="020B0609020204030204" pitchFamily="49" charset="0"/>
+                        </a:rPr>
+                        <a:t>, </a:t>
+                      </a:r>
+                      <a:r>
+                        <a:rPr lang="en-US" sz="1600" dirty="0" err="1" smtClean="0">
+                          <a:solidFill>
+                            <a:schemeClr val="tx1"/>
+                          </a:solidFill>
                           <a:latin typeface="Consolas" panose="020B0609020204030204" pitchFamily="49" charset="0"/>
                           <a:cs typeface="Consolas" panose="020B0609020204030204" pitchFamily="49" charset="0"/>
                         </a:rPr>
@@ -16525,22 +16588,19 @@
                           <a:latin typeface="Consolas" panose="020B0609020204030204" pitchFamily="49" charset="0"/>
                           <a:cs typeface="Consolas" panose="020B0609020204030204" pitchFamily="49" charset="0"/>
                         </a:rPr>
-                        <a:t> </a:t>
-                      </a:r>
+                        <a:t>)</a:t>
+                      </a:r>
+                    </a:p>
+                    <a:p>
                       <a:r>
                         <a:rPr lang="en-US" sz="1600" dirty="0" smtClean="0">
                           <a:latin typeface="Consolas" panose="020B0609020204030204" pitchFamily="49" charset="0"/>
                           <a:cs typeface="Consolas" panose="020B0609020204030204" pitchFamily="49" charset="0"/>
                         </a:rPr>
-                        <a:t>= input("enter side b: ")</a:t>
-                      </a:r>
-                    </a:p>
-                    <a:p>
+                        <a:t>print "side c is: " + str(</a:t>
+                      </a:r>
                       <a:r>
                         <a:rPr lang="en-US" sz="1600" dirty="0" err="1" smtClean="0">
-                          <a:solidFill>
-                            <a:srgbClr val="FFC000"/>
-                          </a:solidFill>
                           <a:latin typeface="Consolas" panose="020B0609020204030204" pitchFamily="49" charset="0"/>
                           <a:cs typeface="Consolas" panose="020B0609020204030204" pitchFamily="49" charset="0"/>
                         </a:rPr>
@@ -16551,104 +16611,8 @@
                           <a:latin typeface="Consolas" panose="020B0609020204030204" pitchFamily="49" charset="0"/>
                           <a:cs typeface="Consolas" panose="020B0609020204030204" pitchFamily="49" charset="0"/>
                         </a:rPr>
-                        <a:t> </a:t>
-                      </a:r>
-                      <a:r>
-                        <a:rPr lang="en-US" sz="1600" dirty="0" smtClean="0">
-                          <a:latin typeface="Consolas" panose="020B0609020204030204" pitchFamily="49" charset="0"/>
-                          <a:cs typeface="Consolas" panose="020B0609020204030204" pitchFamily="49" charset="0"/>
-                        </a:rPr>
-                        <a:t>= </a:t>
-                      </a:r>
-                      <a:r>
-                        <a:rPr lang="en-US" sz="1600" dirty="0" err="1" smtClean="0">
-                          <a:solidFill>
-                            <a:srgbClr val="FFFF00"/>
-                          </a:solidFill>
-                          <a:latin typeface="Consolas" panose="020B0609020204030204" pitchFamily="49" charset="0"/>
-                          <a:cs typeface="Consolas" panose="020B0609020204030204" pitchFamily="49" charset="0"/>
-                        </a:rPr>
-                        <a:t>pythag</a:t>
-                      </a:r>
-                      <a:r>
-                        <a:rPr lang="en-US" sz="1600" dirty="0" smtClean="0">
-                          <a:latin typeface="Consolas" panose="020B0609020204030204" pitchFamily="49" charset="0"/>
-                          <a:cs typeface="Consolas" panose="020B0609020204030204" pitchFamily="49" charset="0"/>
-                        </a:rPr>
-                        <a:t>(</a:t>
-                      </a:r>
-                      <a:r>
-                        <a:rPr lang="en-US" sz="1600" dirty="0" err="1" smtClean="0">
-                          <a:solidFill>
-                            <a:schemeClr val="tx1"/>
-                          </a:solidFill>
-                          <a:latin typeface="Consolas" panose="020B0609020204030204" pitchFamily="49" charset="0"/>
-                          <a:cs typeface="Consolas" panose="020B0609020204030204" pitchFamily="49" charset="0"/>
-                        </a:rPr>
-                        <a:t>side_a</a:t>
-                      </a:r>
-                      <a:r>
-                        <a:rPr lang="en-US" sz="1600" dirty="0" smtClean="0">
-                          <a:latin typeface="Consolas" panose="020B0609020204030204" pitchFamily="49" charset="0"/>
-                          <a:cs typeface="Consolas" panose="020B0609020204030204" pitchFamily="49" charset="0"/>
-                        </a:rPr>
-                        <a:t>, </a:t>
-                      </a:r>
-                      <a:r>
-                        <a:rPr lang="en-US" sz="1600" dirty="0" err="1" smtClean="0">
-                          <a:solidFill>
-                            <a:schemeClr val="tx1"/>
-                          </a:solidFill>
-                          <a:latin typeface="Consolas" panose="020B0609020204030204" pitchFamily="49" charset="0"/>
-                          <a:cs typeface="Consolas" panose="020B0609020204030204" pitchFamily="49" charset="0"/>
-                        </a:rPr>
-                        <a:t>side_b</a:t>
-                      </a:r>
-                      <a:r>
-                        <a:rPr lang="en-US" sz="1600" dirty="0" smtClean="0">
-                          <a:latin typeface="Consolas" panose="020B0609020204030204" pitchFamily="49" charset="0"/>
-                          <a:cs typeface="Consolas" panose="020B0609020204030204" pitchFamily="49" charset="0"/>
-                        </a:rPr>
                         <a:t>)</a:t>
                       </a:r>
-                      <a:endParaRPr lang="en-US" sz="1600" dirty="0" smtClean="0">
-                        <a:latin typeface="Consolas" panose="020B0609020204030204" pitchFamily="49" charset="0"/>
-                        <a:cs typeface="Consolas" panose="020B0609020204030204" pitchFamily="49" charset="0"/>
-                      </a:endParaRPr>
-                    </a:p>
-                    <a:p>
-                      <a:r>
-                        <a:rPr lang="en-US" sz="1600" dirty="0" smtClean="0">
-                          <a:latin typeface="Consolas" panose="020B0609020204030204" pitchFamily="49" charset="0"/>
-                          <a:cs typeface="Consolas" panose="020B0609020204030204" pitchFamily="49" charset="0"/>
-                        </a:rPr>
-                        <a:t>print "side c is: " + </a:t>
-                      </a:r>
-                      <a:r>
-                        <a:rPr lang="en-US" sz="1600" dirty="0" smtClean="0">
-                          <a:latin typeface="Consolas" panose="020B0609020204030204" pitchFamily="49" charset="0"/>
-                          <a:cs typeface="Consolas" panose="020B0609020204030204" pitchFamily="49" charset="0"/>
-                        </a:rPr>
-                        <a:t>str(</a:t>
-                      </a:r>
-                      <a:r>
-                        <a:rPr lang="en-US" sz="1600" dirty="0" err="1" smtClean="0">
-                          <a:latin typeface="Consolas" panose="020B0609020204030204" pitchFamily="49" charset="0"/>
-                          <a:cs typeface="Consolas" panose="020B0609020204030204" pitchFamily="49" charset="0"/>
-                        </a:rPr>
-                        <a:t>side_c</a:t>
-                      </a:r>
-                      <a:r>
-                        <a:rPr lang="en-US" sz="1600" dirty="0" smtClean="0">
-                          <a:latin typeface="Consolas" panose="020B0609020204030204" pitchFamily="49" charset="0"/>
-                          <a:cs typeface="Consolas" panose="020B0609020204030204" pitchFamily="49" charset="0"/>
-                        </a:rPr>
-                        <a:t>)</a:t>
-                      </a:r>
-                      <a:endParaRPr lang="en-US" sz="1600" dirty="0" smtClean="0">
-                        <a:latin typeface="Consolas" panose="020B0609020204030204" pitchFamily="49" charset="0"/>
-                        <a:cs typeface="Consolas" panose="020B0609020204030204" pitchFamily="49" charset="0"/>
-                      </a:endParaRPr>
                     </a:p>
                   </a:txBody>
                   <a:tcPr/>
@@ -17211,8 +17175,8 @@
           </a:p>
         </p:txBody>
       </p:sp>
-      <mc:AlternateContent xmlns:mc="http://schemas.openxmlformats.org/markup-compatibility/2006">
-        <mc:Choice xmlns:a14="http://schemas.microsoft.com/office/drawing/2010/main" Requires="a14">
+      <mc:AlternateContent xmlns:mc="http://schemas.openxmlformats.org/markup-compatibility/2006" xmlns:a14="http://schemas.microsoft.com/office/drawing/2010/main">
+        <mc:Choice Requires="a14">
           <p:sp>
             <p:nvSpPr>
               <p:cNvPr id="3" name="Content Placeholder 2"/>
@@ -17393,7 +17357,7 @@
             </p:txBody>
           </p:sp>
         </mc:Choice>
-        <mc:Fallback>
+        <mc:Fallback xmlns="">
           <p:sp>
             <p:nvSpPr>
               <p:cNvPr id="3" name="Content Placeholder 2"/>
@@ -17808,10 +17772,6 @@
                         </a:rPr>
                         <a:t>(s, e)</a:t>
                       </a:r>
-                      <a:endParaRPr lang="en-US" sz="1400" dirty="0" smtClean="0">
-                        <a:latin typeface="Consolas" panose="020B0609020204030204" pitchFamily="49" charset="0"/>
-                        <a:cs typeface="Consolas" panose="020B0609020204030204" pitchFamily="49" charset="0"/>
-                      </a:endParaRPr>
                     </a:p>
                   </a:txBody>
                   <a:tcPr/>
@@ -17889,10 +17849,6 @@
                         </a:rPr>
                         <a:t>Exercise1.py</a:t>
                       </a:r>
-                      <a:endParaRPr lang="en-US" sz="2000" dirty="0" smtClean="0">
-                        <a:latin typeface="Consolas" panose="020B0609020204030204" pitchFamily="49" charset="0"/>
-                        <a:cs typeface="Consolas" panose="020B0609020204030204" pitchFamily="49" charset="0"/>
-                      </a:endParaRPr>
                     </a:p>
                   </a:txBody>
                   <a:tcPr>
@@ -18450,10 +18406,6 @@
                         </a:rPr>
                         <a:t>print 'range product: ' + ex1(s, e)</a:t>
                       </a:r>
-                      <a:endParaRPr lang="en-US" sz="1400" dirty="0" smtClean="0">
-                        <a:latin typeface="Consolas" panose="020B0609020204030204" pitchFamily="49" charset="0"/>
-                        <a:cs typeface="Consolas" panose="020B0609020204030204" pitchFamily="49" charset="0"/>
-                      </a:endParaRPr>
                     </a:p>
                   </a:txBody>
                   <a:tcPr/>
@@ -18529,19 +18481,8 @@
                           <a:latin typeface="Consolas" panose="020B0609020204030204" pitchFamily="49" charset="0"/>
                           <a:cs typeface="Consolas" panose="020B0609020204030204" pitchFamily="49" charset="0"/>
                         </a:rPr>
-                        <a:t>&gt; python </a:t>
-                      </a:r>
-                      <a:r>
-                        <a:rPr lang="en-US" sz="1800" dirty="0" smtClean="0">
-                          <a:latin typeface="Consolas" panose="020B0609020204030204" pitchFamily="49" charset="0"/>
-                          <a:cs typeface="Consolas" panose="020B0609020204030204" pitchFamily="49" charset="0"/>
-                        </a:rPr>
-                        <a:t>Exercise1.py</a:t>
-                      </a:r>
-                      <a:endParaRPr lang="en-US" sz="1800" dirty="0" smtClean="0">
-                        <a:latin typeface="Consolas" panose="020B0609020204030204" pitchFamily="49" charset="0"/>
-                        <a:cs typeface="Consolas" panose="020B0609020204030204" pitchFamily="49" charset="0"/>
-                      </a:endParaRPr>
+                        <a:t>&gt; python Exercise1.py</a:t>
+                      </a:r>
                     </a:p>
                     <a:p>
                       <a:pPr marL="0" marR="0" indent="0" algn="l" defTabSz="914400" rtl="0" eaLnBrk="1" fontAlgn="auto" latinLnBrk="0" hangingPunct="1">
@@ -18747,10 +18688,6 @@
                         </a:rPr>
                         <a:t>range product: 2180547008640000</a:t>
                       </a:r>
-                      <a:endParaRPr lang="en-US" sz="1800" dirty="0" smtClean="0">
-                        <a:latin typeface="Consolas" panose="020B0609020204030204" pitchFamily="49" charset="0"/>
-                        <a:cs typeface="Consolas" panose="020B0609020204030204" pitchFamily="49" charset="0"/>
-                      </a:endParaRPr>
                     </a:p>
                   </a:txBody>
                   <a:tcPr/>
@@ -18828,10 +18765,6 @@
                         </a:rPr>
                         <a:t>Exercise1.py</a:t>
                       </a:r>
-                      <a:endParaRPr lang="en-US" sz="2000" dirty="0" smtClean="0">
-                        <a:latin typeface="Consolas" panose="020B0609020204030204" pitchFamily="49" charset="0"/>
-                        <a:cs typeface="Consolas" panose="020B0609020204030204" pitchFamily="49" charset="0"/>
-                      </a:endParaRPr>
                     </a:p>
                   </a:txBody>
                   <a:tcPr>
@@ -18860,11 +18793,11 @@
   <p:clrMapOvr>
     <a:masterClrMapping/>
   </p:clrMapOvr>
-  <mc:AlternateContent xmlns:mc="http://schemas.openxmlformats.org/markup-compatibility/2006">
-    <mc:Choice xmlns:p14="http://schemas.microsoft.com/office/powerpoint/2010/main" Requires="p14">
+  <mc:AlternateContent xmlns:mc="http://schemas.openxmlformats.org/markup-compatibility/2006" xmlns:p14="http://schemas.microsoft.com/office/powerpoint/2010/main">
+    <mc:Choice Requires="p14">
       <p:transition spd="slow" p14:dur="2000"/>
     </mc:Choice>
-    <mc:Fallback>
+    <mc:Fallback xmlns="">
       <p:transition spd="slow"/>
     </mc:Fallback>
   </mc:AlternateContent>
@@ -19314,10 +19247,6 @@
                         </a:rPr>
                         <a:t>('enter a word: '))</a:t>
                       </a:r>
-                      <a:endParaRPr lang="en-US" sz="1400" dirty="0" smtClean="0">
-                        <a:latin typeface="Consolas" panose="020B0609020204030204" pitchFamily="49" charset="0"/>
-                        <a:cs typeface="Consolas" panose="020B0609020204030204" pitchFamily="49" charset="0"/>
-                      </a:endParaRPr>
                     </a:p>
                   </a:txBody>
                   <a:tcPr/>
@@ -19395,10 +19324,6 @@
                         </a:rPr>
                         <a:t>Exercise2.py</a:t>
                       </a:r>
-                      <a:endParaRPr lang="en-US" sz="2000" dirty="0" smtClean="0">
-                        <a:latin typeface="Consolas" panose="020B0609020204030204" pitchFamily="49" charset="0"/>
-                        <a:cs typeface="Consolas" panose="020B0609020204030204" pitchFamily="49" charset="0"/>
-                      </a:endParaRPr>
                     </a:p>
                   </a:txBody>
                   <a:tcPr>
@@ -19684,10 +19609,6 @@
                         </a:rPr>
                         <a:t>('enter a word: '))</a:t>
                       </a:r>
-                      <a:endParaRPr lang="en-US" sz="1400" dirty="0" smtClean="0">
-                        <a:latin typeface="Consolas" panose="020B0609020204030204" pitchFamily="49" charset="0"/>
-                        <a:cs typeface="Consolas" panose="020B0609020204030204" pitchFamily="49" charset="0"/>
-                      </a:endParaRPr>
                     </a:p>
                   </a:txBody>
                   <a:tcPr/>
@@ -19763,19 +19684,8 @@
                           <a:latin typeface="Consolas" panose="020B0609020204030204" pitchFamily="49" charset="0"/>
                           <a:cs typeface="Consolas" panose="020B0609020204030204" pitchFamily="49" charset="0"/>
                         </a:rPr>
-                        <a:t>&gt; python </a:t>
-                      </a:r>
-                      <a:r>
-                        <a:rPr lang="en-US" sz="1800" dirty="0" smtClean="0">
-                          <a:latin typeface="Consolas" panose="020B0609020204030204" pitchFamily="49" charset="0"/>
-                          <a:cs typeface="Consolas" panose="020B0609020204030204" pitchFamily="49" charset="0"/>
-                        </a:rPr>
-                        <a:t>Exercise2.py</a:t>
-                      </a:r>
-                      <a:endParaRPr lang="en-US" sz="1800" dirty="0" smtClean="0">
-                        <a:latin typeface="Consolas" panose="020B0609020204030204" pitchFamily="49" charset="0"/>
-                        <a:cs typeface="Consolas" panose="020B0609020204030204" pitchFamily="49" charset="0"/>
-                      </a:endParaRPr>
+                        <a:t>&gt; python Exercise2.py</a:t>
+                      </a:r>
                     </a:p>
                     <a:p>
                       <a:pPr marL="0" marR="0" indent="0" algn="l" defTabSz="914400" rtl="0" eaLnBrk="1" fontAlgn="auto" latinLnBrk="0" hangingPunct="1">
@@ -20006,10 +19916,6 @@
                         </a:rPr>
                         <a:t>Exercise2.py</a:t>
                       </a:r>
-                      <a:endParaRPr lang="en-US" sz="2000" dirty="0" smtClean="0">
-                        <a:latin typeface="Consolas" panose="020B0609020204030204" pitchFamily="49" charset="0"/>
-                        <a:cs typeface="Consolas" panose="020B0609020204030204" pitchFamily="49" charset="0"/>
-                      </a:endParaRPr>
                     </a:p>
                   </a:txBody>
                   <a:tcPr>
@@ -20038,11 +19944,11 @@
   <p:clrMapOvr>
     <a:masterClrMapping/>
   </p:clrMapOvr>
-  <mc:AlternateContent xmlns:mc="http://schemas.openxmlformats.org/markup-compatibility/2006">
-    <mc:Choice xmlns:p14="http://schemas.microsoft.com/office/powerpoint/2010/main" Requires="p14">
+  <mc:AlternateContent xmlns:mc="http://schemas.openxmlformats.org/markup-compatibility/2006" xmlns:p14="http://schemas.microsoft.com/office/powerpoint/2010/main">
+    <mc:Choice Requires="p14">
       <p:transition spd="slow" p14:dur="2000"/>
     </mc:Choice>
-    <mc:Fallback>
+    <mc:Fallback xmlns="">
       <p:transition spd="slow"/>
     </mc:Fallback>
   </mc:AlternateContent>
@@ -36236,7 +36142,47 @@
           <a:bodyPr/>
           <a:lstStyle/>
           <a:p>
-            <a:endParaRPr lang="en-US"/>
+            <a:r>
+              <a:rPr lang="en-US" dirty="0" smtClean="0"/>
+              <a:t>Write a function with two inputs, </a:t>
+            </a:r>
+            <a:r>
+              <a:rPr lang="en-US" b="1" dirty="0" smtClean="0">
+                <a:solidFill>
+                  <a:srgbClr val="0070C0"/>
+                </a:solidFill>
+              </a:rPr>
+              <a:t>ex3(a, n)</a:t>
+            </a:r>
+            <a:r>
+              <a:rPr lang="en-US" dirty="0" smtClean="0"/>
+              <a:t> which returns the top </a:t>
+            </a:r>
+            <a:r>
+              <a:rPr lang="en-US" b="1" dirty="0" smtClean="0">
+                <a:solidFill>
+                  <a:srgbClr val="0070C0"/>
+                </a:solidFill>
+              </a:rPr>
+              <a:t>n</a:t>
+            </a:r>
+            <a:r>
+              <a:rPr lang="en-US" dirty="0" smtClean="0"/>
+              <a:t> scores within an input list </a:t>
+            </a:r>
+            <a:r>
+              <a:rPr lang="en-US" b="1" dirty="0" smtClean="0">
+                <a:solidFill>
+                  <a:srgbClr val="0070C0"/>
+                </a:solidFill>
+              </a:rPr>
+              <a:t>a</a:t>
+            </a:r>
+            <a:r>
+              <a:rPr lang="en-US" dirty="0" smtClean="0"/>
+              <a:t>.  The top n scores should be returned as a list.</a:t>
+            </a:r>
+            <a:endParaRPr lang="en-US" dirty="0"/>
           </a:p>
         </p:txBody>
       </p:sp>
@@ -36327,9 +36273,7 @@
           </p:nvPr>
         </p:nvSpPr>
         <p:spPr>
-          <a:solidFill>
-            <a:srgbClr val="FFFF00"/>
-          </a:solidFill>
+          <a:noFill/>
         </p:spPr>
         <p:txBody>
           <a:bodyPr/>
@@ -36353,12 +36297,21 @@
             <p:ph idx="1"/>
           </p:nvPr>
         </p:nvSpPr>
-        <p:spPr/>
+        <p:spPr>
+          <a:xfrm>
+            <a:off x="1097280" y="1845734"/>
+            <a:ext cx="4655820" cy="4023360"/>
+          </a:xfrm>
+        </p:spPr>
         <p:txBody>
           <a:bodyPr/>
           <a:lstStyle/>
           <a:p>
-            <a:endParaRPr lang="en-US"/>
+            <a:r>
+              <a:rPr lang="en-US" dirty="0" smtClean="0"/>
+              <a:t>Hint: use list slicing!</a:t>
+            </a:r>
+            <a:endParaRPr lang="en-US" dirty="0"/>
           </a:p>
         </p:txBody>
       </p:sp>
@@ -36408,6 +36361,298 @@
           </a:p>
         </p:txBody>
       </p:sp>
+      <p:graphicFrame>
+        <p:nvGraphicFramePr>
+          <p:cNvPr id="6" name="Table 5"/>
+          <p:cNvGraphicFramePr>
+            <a:graphicFrameLocks noGrp="1"/>
+          </p:cNvGraphicFramePr>
+          <p:nvPr>
+            <p:extLst>
+              <p:ext uri="{D42A27DB-BD31-4B8C-83A1-F6EECF244321}">
+                <p14:modId xmlns:p14="http://schemas.microsoft.com/office/powerpoint/2010/main" val="19241158"/>
+              </p:ext>
+            </p:extLst>
+          </p:nvPr>
+        </p:nvGraphicFramePr>
+        <p:xfrm>
+          <a:off x="6438900" y="2362200"/>
+          <a:ext cx="4724400" cy="3615267"/>
+        </p:xfrm>
+        <a:graphic>
+          <a:graphicData uri="http://schemas.openxmlformats.org/drawingml/2006/table">
+            <a:tbl>
+              <a:tblPr firstRow="1" bandRow="1">
+                <a:tableStyleId>{5C22544A-7EE6-4342-B048-85BDC9FD1C3A}</a:tableStyleId>
+              </a:tblPr>
+              <a:tblGrid>
+                <a:gridCol w="4724400">
+                  <a:extLst>
+                    <a:ext uri="{9D8B030D-6E8A-4147-A177-3AD203B41FA5}">
+                      <a16:colId xmlns:a16="http://schemas.microsoft.com/office/drawing/2014/main" val="3049328480"/>
+                    </a:ext>
+                  </a:extLst>
+                </a:gridCol>
+              </a:tblGrid>
+              <a:tr h="3615267">
+                <a:tc>
+                  <a:txBody>
+                    <a:bodyPr/>
+                    <a:lstStyle/>
+                    <a:p>
+                      <a:r>
+                        <a:rPr lang="en-US" sz="1400" dirty="0" smtClean="0">
+                          <a:latin typeface="Consolas" panose="020B0609020204030204" pitchFamily="49" charset="0"/>
+                          <a:cs typeface="Consolas" panose="020B0609020204030204" pitchFamily="49" charset="0"/>
+                        </a:rPr>
+                        <a:t>def </a:t>
+                      </a:r>
+                      <a:r>
+                        <a:rPr lang="en-US" sz="1400" dirty="0" smtClean="0">
+                          <a:solidFill>
+                            <a:srgbClr val="FFFF00"/>
+                          </a:solidFill>
+                          <a:latin typeface="Consolas" panose="020B0609020204030204" pitchFamily="49" charset="0"/>
+                          <a:cs typeface="Consolas" panose="020B0609020204030204" pitchFamily="49" charset="0"/>
+                        </a:rPr>
+                        <a:t>ex3</a:t>
+                      </a:r>
+                      <a:r>
+                        <a:rPr lang="en-US" sz="1400" dirty="0" smtClean="0">
+                          <a:latin typeface="Consolas" panose="020B0609020204030204" pitchFamily="49" charset="0"/>
+                          <a:cs typeface="Consolas" panose="020B0609020204030204" pitchFamily="49" charset="0"/>
+                        </a:rPr>
+                        <a:t>(array,</a:t>
+                      </a:r>
+                      <a:r>
+                        <a:rPr lang="en-US" sz="1400" baseline="0" dirty="0" smtClean="0">
+                          <a:latin typeface="Consolas" panose="020B0609020204030204" pitchFamily="49" charset="0"/>
+                          <a:cs typeface="Consolas" panose="020B0609020204030204" pitchFamily="49" charset="0"/>
+                        </a:rPr>
+                        <a:t> n</a:t>
+                      </a:r>
+                      <a:r>
+                        <a:rPr lang="en-US" sz="1400" dirty="0" smtClean="0">
+                          <a:latin typeface="Consolas" panose="020B0609020204030204" pitchFamily="49" charset="0"/>
+                          <a:cs typeface="Consolas" panose="020B0609020204030204" pitchFamily="49" charset="0"/>
+                        </a:rPr>
+                        <a:t>):</a:t>
+                      </a:r>
+                      <a:endParaRPr lang="en-US" sz="1400" dirty="0" smtClean="0">
+                        <a:latin typeface="Consolas" panose="020B0609020204030204" pitchFamily="49" charset="0"/>
+                        <a:cs typeface="Consolas" panose="020B0609020204030204" pitchFamily="49" charset="0"/>
+                      </a:endParaRPr>
+                    </a:p>
+                    <a:p>
+                      <a:r>
+                        <a:rPr lang="en-US" sz="1400" dirty="0" smtClean="0">
+                          <a:latin typeface="Consolas" panose="020B0609020204030204" pitchFamily="49" charset="0"/>
+                          <a:cs typeface="Consolas" panose="020B0609020204030204" pitchFamily="49" charset="0"/>
+                        </a:rPr>
+                        <a:t>    #</a:t>
+                      </a:r>
+                    </a:p>
+                    <a:p>
+                      <a:r>
+                        <a:rPr lang="en-US" sz="1400" dirty="0" smtClean="0">
+                          <a:latin typeface="Consolas" panose="020B0609020204030204" pitchFamily="49" charset="0"/>
+                          <a:cs typeface="Consolas" panose="020B0609020204030204" pitchFamily="49" charset="0"/>
+                        </a:rPr>
+                        <a:t>    # code goes here !</a:t>
+                      </a:r>
+                    </a:p>
+                    <a:p>
+                      <a:r>
+                        <a:rPr lang="en-US" sz="1400" dirty="0" smtClean="0">
+                          <a:latin typeface="Consolas" panose="020B0609020204030204" pitchFamily="49" charset="0"/>
+                          <a:cs typeface="Consolas" panose="020B0609020204030204" pitchFamily="49" charset="0"/>
+                        </a:rPr>
+                        <a:t>    #</a:t>
+                      </a:r>
+                    </a:p>
+                    <a:p>
+                      <a:r>
+                        <a:rPr lang="en-US" sz="1400" dirty="0" smtClean="0">
+                          <a:latin typeface="Consolas" panose="020B0609020204030204" pitchFamily="49" charset="0"/>
+                          <a:cs typeface="Consolas" panose="020B0609020204030204" pitchFamily="49" charset="0"/>
+                        </a:rPr>
+                        <a:t>    </a:t>
+                      </a:r>
+                      <a:r>
+                        <a:rPr lang="en-US" sz="1400" dirty="0" smtClean="0">
+                          <a:latin typeface="Consolas" panose="020B0609020204030204" pitchFamily="49" charset="0"/>
+                          <a:cs typeface="Consolas" panose="020B0609020204030204" pitchFamily="49" charset="0"/>
+                        </a:rPr>
+                        <a:t>#</a:t>
+                      </a:r>
+                    </a:p>
+                    <a:p>
+                      <a:endParaRPr lang="en-US" sz="1400" dirty="0" smtClean="0">
+                        <a:latin typeface="Consolas" panose="020B0609020204030204" pitchFamily="49" charset="0"/>
+                        <a:cs typeface="Consolas" panose="020B0609020204030204" pitchFamily="49" charset="0"/>
+                      </a:endParaRPr>
+                    </a:p>
+                    <a:p>
+                      <a:r>
+                        <a:rPr lang="en-US" sz="1400" dirty="0" err="1" smtClean="0">
+                          <a:latin typeface="Consolas" panose="020B0609020204030204" pitchFamily="49" charset="0"/>
+                          <a:cs typeface="Consolas" panose="020B0609020204030204" pitchFamily="49" charset="0"/>
+                        </a:rPr>
+                        <a:t>test_scores</a:t>
+                      </a:r>
+                      <a:r>
+                        <a:rPr lang="en-US" sz="1400" dirty="0" smtClean="0">
+                          <a:latin typeface="Consolas" panose="020B0609020204030204" pitchFamily="49" charset="0"/>
+                          <a:cs typeface="Consolas" panose="020B0609020204030204" pitchFamily="49" charset="0"/>
+                        </a:rPr>
+                        <a:t> = [75, 38, 92, 15, 94, 50, 88]</a:t>
+                      </a:r>
+                    </a:p>
+                    <a:p>
+                      <a:r>
+                        <a:rPr lang="en-US" sz="1400" dirty="0" smtClean="0">
+                          <a:latin typeface="Consolas" panose="020B0609020204030204" pitchFamily="49" charset="0"/>
+                          <a:cs typeface="Consolas" panose="020B0609020204030204" pitchFamily="49" charset="0"/>
+                        </a:rPr>
+                        <a:t>print </a:t>
+                      </a:r>
+                      <a:r>
+                        <a:rPr lang="en-US" sz="1400" dirty="0" smtClean="0">
+                          <a:solidFill>
+                            <a:srgbClr val="FFFF00"/>
+                          </a:solidFill>
+                          <a:latin typeface="Consolas" panose="020B0609020204030204" pitchFamily="49" charset="0"/>
+                          <a:cs typeface="Consolas" panose="020B0609020204030204" pitchFamily="49" charset="0"/>
+                        </a:rPr>
+                        <a:t>ex3</a:t>
+                      </a:r>
+                      <a:r>
+                        <a:rPr lang="en-US" sz="1400" dirty="0" smtClean="0">
+                          <a:latin typeface="Consolas" panose="020B0609020204030204" pitchFamily="49" charset="0"/>
+                          <a:cs typeface="Consolas" panose="020B0609020204030204" pitchFamily="49" charset="0"/>
+                        </a:rPr>
+                        <a:t>(</a:t>
+                      </a:r>
+                      <a:r>
+                        <a:rPr lang="en-US" sz="1400" dirty="0" err="1" smtClean="0">
+                          <a:latin typeface="Consolas" panose="020B0609020204030204" pitchFamily="49" charset="0"/>
+                          <a:cs typeface="Consolas" panose="020B0609020204030204" pitchFamily="49" charset="0"/>
+                        </a:rPr>
+                        <a:t>test_scores</a:t>
+                      </a:r>
+                      <a:r>
+                        <a:rPr lang="en-US" sz="1400" dirty="0" smtClean="0">
+                          <a:latin typeface="Consolas" panose="020B0609020204030204" pitchFamily="49" charset="0"/>
+                          <a:cs typeface="Consolas" panose="020B0609020204030204" pitchFamily="49" charset="0"/>
+                        </a:rPr>
+                        <a:t>, 4)</a:t>
+                      </a:r>
+                      <a:r>
+                        <a:rPr lang="en-US" sz="1400" dirty="0" smtClean="0">
+                          <a:latin typeface="Consolas" panose="020B0609020204030204" pitchFamily="49" charset="0"/>
+                          <a:cs typeface="Consolas" panose="020B0609020204030204" pitchFamily="49" charset="0"/>
+                        </a:rPr>
+                        <a:t>	</a:t>
+                      </a:r>
+                    </a:p>
+                  </a:txBody>
+                  <a:tcPr/>
+                </a:tc>
+                <a:extLst>
+                  <a:ext uri="{0D108BD9-81ED-4DB2-BD59-A6C34878D82A}">
+                    <a16:rowId xmlns:a16="http://schemas.microsoft.com/office/drawing/2014/main" val="643227359"/>
+                  </a:ext>
+                </a:extLst>
+              </a:tr>
+            </a:tbl>
+          </a:graphicData>
+        </a:graphic>
+      </p:graphicFrame>
+      <p:graphicFrame>
+        <p:nvGraphicFramePr>
+          <p:cNvPr id="7" name="Table 6"/>
+          <p:cNvGraphicFramePr>
+            <a:graphicFrameLocks noGrp="1"/>
+          </p:cNvGraphicFramePr>
+          <p:nvPr>
+            <p:extLst>
+              <p:ext uri="{D42A27DB-BD31-4B8C-83A1-F6EECF244321}">
+                <p14:modId xmlns:p14="http://schemas.microsoft.com/office/powerpoint/2010/main" val="2043563086"/>
+              </p:ext>
+            </p:extLst>
+          </p:nvPr>
+        </p:nvGraphicFramePr>
+        <p:xfrm>
+          <a:off x="6438900" y="1862668"/>
+          <a:ext cx="4724399" cy="457200"/>
+        </p:xfrm>
+        <a:graphic>
+          <a:graphicData uri="http://schemas.openxmlformats.org/drawingml/2006/table">
+            <a:tbl>
+              <a:tblPr firstRow="1" bandRow="1">
+                <a:tableStyleId>{5C22544A-7EE6-4342-B048-85BDC9FD1C3A}</a:tableStyleId>
+              </a:tblPr>
+              <a:tblGrid>
+                <a:gridCol w="4724399">
+                  <a:extLst>
+                    <a:ext uri="{9D8B030D-6E8A-4147-A177-3AD203B41FA5}">
+                      <a16:colId xmlns:a16="http://schemas.microsoft.com/office/drawing/2014/main" val="3049328480"/>
+                    </a:ext>
+                  </a:extLst>
+                </a:gridCol>
+              </a:tblGrid>
+              <a:tr h="457200">
+                <a:tc>
+                  <a:txBody>
+                    <a:bodyPr/>
+                    <a:lstStyle/>
+                    <a:p>
+                      <a:pPr marL="0" marR="0" indent="0" algn="l" defTabSz="914400" rtl="0" eaLnBrk="1" fontAlgn="auto" latinLnBrk="0" hangingPunct="1">
+                        <a:lnSpc>
+                          <a:spcPct val="100000"/>
+                        </a:lnSpc>
+                        <a:spcBef>
+                          <a:spcPts val="0"/>
+                        </a:spcBef>
+                        <a:spcAft>
+                          <a:spcPts val="0"/>
+                        </a:spcAft>
+                        <a:buClrTx/>
+                        <a:buSzTx/>
+                        <a:buFontTx/>
+                        <a:buNone/>
+                        <a:tabLst/>
+                        <a:defRPr/>
+                      </a:pPr>
+                      <a:r>
+                        <a:rPr lang="en-US" sz="2000" dirty="0" smtClean="0">
+                          <a:latin typeface="Consolas" panose="020B0609020204030204" pitchFamily="49" charset="0"/>
+                          <a:cs typeface="Consolas" panose="020B0609020204030204" pitchFamily="49" charset="0"/>
+                        </a:rPr>
+                        <a:t>Exercise3.py</a:t>
+                      </a:r>
+                      <a:endParaRPr lang="en-US" sz="2000" dirty="0" smtClean="0">
+                        <a:latin typeface="Consolas" panose="020B0609020204030204" pitchFamily="49" charset="0"/>
+                        <a:cs typeface="Consolas" panose="020B0609020204030204" pitchFamily="49" charset="0"/>
+                      </a:endParaRPr>
+                    </a:p>
+                  </a:txBody>
+                  <a:tcPr>
+                    <a:solidFill>
+                      <a:srgbClr val="0070C0"/>
+                    </a:solidFill>
+                  </a:tcPr>
+                </a:tc>
+                <a:extLst>
+                  <a:ext uri="{0D108BD9-81ED-4DB2-BD59-A6C34878D82A}">
+                    <a16:rowId xmlns:a16="http://schemas.microsoft.com/office/drawing/2014/main" val="643227359"/>
+                  </a:ext>
+                </a:extLst>
+              </a:tr>
+            </a:tbl>
+          </a:graphicData>
+        </a:graphic>
+      </p:graphicFrame>
     </p:spTree>
     <p:extLst>
       <p:ext uri="{BB962C8B-B14F-4D97-AF65-F5344CB8AC3E}">
@@ -36449,9 +36694,7 @@
           </p:nvPr>
         </p:nvSpPr>
         <p:spPr>
-          <a:solidFill>
-            <a:srgbClr val="FFFF00"/>
-          </a:solidFill>
+          <a:noFill/>
         </p:spPr>
         <p:txBody>
           <a:bodyPr/>
@@ -36462,25 +36705,6 @@
               <a:t>Exercise 3</a:t>
             </a:r>
             <a:endParaRPr lang="en-US" dirty="0"/>
-          </a:p>
-        </p:txBody>
-      </p:sp>
-      <p:sp>
-        <p:nvSpPr>
-          <p:cNvPr id="3" name="Content Placeholder 2"/>
-          <p:cNvSpPr>
-            <a:spLocks noGrp="1"/>
-          </p:cNvSpPr>
-          <p:nvPr>
-            <p:ph idx="1"/>
-          </p:nvPr>
-        </p:nvSpPr>
-        <p:spPr/>
-        <p:txBody>
-          <a:bodyPr/>
-          <a:lstStyle/>
-          <a:p>
-            <a:endParaRPr lang="en-US"/>
           </a:p>
         </p:txBody>
       </p:sp>
@@ -36530,6 +36754,417 @@
           </a:p>
         </p:txBody>
       </p:sp>
+      <p:graphicFrame>
+        <p:nvGraphicFramePr>
+          <p:cNvPr id="6" name="Table 5"/>
+          <p:cNvGraphicFramePr>
+            <a:graphicFrameLocks noGrp="1"/>
+          </p:cNvGraphicFramePr>
+          <p:nvPr>
+            <p:extLst>
+              <p:ext uri="{D42A27DB-BD31-4B8C-83A1-F6EECF244321}">
+                <p14:modId xmlns:p14="http://schemas.microsoft.com/office/powerpoint/2010/main" val="3636638974"/>
+              </p:ext>
+            </p:extLst>
+          </p:nvPr>
+        </p:nvGraphicFramePr>
+        <p:xfrm>
+          <a:off x="6438900" y="2362200"/>
+          <a:ext cx="4724400" cy="3615267"/>
+        </p:xfrm>
+        <a:graphic>
+          <a:graphicData uri="http://schemas.openxmlformats.org/drawingml/2006/table">
+            <a:tbl>
+              <a:tblPr firstRow="1" bandRow="1">
+                <a:tableStyleId>{5C22544A-7EE6-4342-B048-85BDC9FD1C3A}</a:tableStyleId>
+              </a:tblPr>
+              <a:tblGrid>
+                <a:gridCol w="4724400">
+                  <a:extLst>
+                    <a:ext uri="{9D8B030D-6E8A-4147-A177-3AD203B41FA5}">
+                      <a16:colId xmlns:a16="http://schemas.microsoft.com/office/drawing/2014/main" val="3049328480"/>
+                    </a:ext>
+                  </a:extLst>
+                </a:gridCol>
+              </a:tblGrid>
+              <a:tr h="3615267">
+                <a:tc>
+                  <a:txBody>
+                    <a:bodyPr/>
+                    <a:lstStyle/>
+                    <a:p>
+                      <a:r>
+                        <a:rPr lang="en-US" sz="1400" dirty="0" smtClean="0">
+                          <a:latin typeface="Consolas" panose="020B0609020204030204" pitchFamily="49" charset="0"/>
+                          <a:cs typeface="Consolas" panose="020B0609020204030204" pitchFamily="49" charset="0"/>
+                        </a:rPr>
+                        <a:t>def </a:t>
+                      </a:r>
+                      <a:r>
+                        <a:rPr lang="en-US" sz="1400" dirty="0" smtClean="0">
+                          <a:solidFill>
+                            <a:srgbClr val="FFFF00"/>
+                          </a:solidFill>
+                          <a:latin typeface="Consolas" panose="020B0609020204030204" pitchFamily="49" charset="0"/>
+                          <a:cs typeface="Consolas" panose="020B0609020204030204" pitchFamily="49" charset="0"/>
+                        </a:rPr>
+                        <a:t>ex3</a:t>
+                      </a:r>
+                      <a:r>
+                        <a:rPr lang="en-US" sz="1400" dirty="0" smtClean="0">
+                          <a:latin typeface="Consolas" panose="020B0609020204030204" pitchFamily="49" charset="0"/>
+                          <a:cs typeface="Consolas" panose="020B0609020204030204" pitchFamily="49" charset="0"/>
+                        </a:rPr>
+                        <a:t>(array,</a:t>
+                      </a:r>
+                      <a:r>
+                        <a:rPr lang="en-US" sz="1400" baseline="0" dirty="0" smtClean="0">
+                          <a:latin typeface="Consolas" panose="020B0609020204030204" pitchFamily="49" charset="0"/>
+                          <a:cs typeface="Consolas" panose="020B0609020204030204" pitchFamily="49" charset="0"/>
+                        </a:rPr>
+                        <a:t> n</a:t>
+                      </a:r>
+                      <a:r>
+                        <a:rPr lang="en-US" sz="1400" dirty="0" smtClean="0">
+                          <a:latin typeface="Consolas" panose="020B0609020204030204" pitchFamily="49" charset="0"/>
+                          <a:cs typeface="Consolas" panose="020B0609020204030204" pitchFamily="49" charset="0"/>
+                        </a:rPr>
+                        <a:t>):</a:t>
+                      </a:r>
+                      <a:endParaRPr lang="en-US" sz="1400" dirty="0" smtClean="0">
+                        <a:latin typeface="Consolas" panose="020B0609020204030204" pitchFamily="49" charset="0"/>
+                        <a:cs typeface="Consolas" panose="020B0609020204030204" pitchFamily="49" charset="0"/>
+                      </a:endParaRPr>
+                    </a:p>
+                    <a:p>
+                      <a:r>
+                        <a:rPr lang="en-US" sz="1400" baseline="0" dirty="0" smtClean="0">
+                          <a:latin typeface="Consolas" panose="020B0609020204030204" pitchFamily="49" charset="0"/>
+                          <a:cs typeface="Consolas" panose="020B0609020204030204" pitchFamily="49" charset="0"/>
+                        </a:rPr>
+                        <a:t>    </a:t>
+                      </a:r>
+                      <a:r>
+                        <a:rPr lang="en-US" sz="1400" dirty="0" err="1" smtClean="0">
+                          <a:latin typeface="Consolas" panose="020B0609020204030204" pitchFamily="49" charset="0"/>
+                          <a:cs typeface="Consolas" panose="020B0609020204030204" pitchFamily="49" charset="0"/>
+                        </a:rPr>
+                        <a:t>array.sort</a:t>
+                      </a:r>
+                      <a:r>
+                        <a:rPr lang="en-US" sz="1400" dirty="0" smtClean="0">
+                          <a:latin typeface="Consolas" panose="020B0609020204030204" pitchFamily="49" charset="0"/>
+                          <a:cs typeface="Consolas" panose="020B0609020204030204" pitchFamily="49" charset="0"/>
+                        </a:rPr>
+                        <a:t>()</a:t>
+                      </a:r>
+                    </a:p>
+                    <a:p>
+                      <a:r>
+                        <a:rPr lang="en-US" sz="1400" dirty="0" smtClean="0">
+                          <a:latin typeface="Consolas" panose="020B0609020204030204" pitchFamily="49" charset="0"/>
+                          <a:cs typeface="Consolas" panose="020B0609020204030204" pitchFamily="49" charset="0"/>
+                        </a:rPr>
+                        <a:t>    return array[-n:]</a:t>
+                      </a:r>
+                    </a:p>
+                    <a:p>
+                      <a:endParaRPr lang="en-US" sz="1400" dirty="0" smtClean="0">
+                        <a:latin typeface="Consolas" panose="020B0609020204030204" pitchFamily="49" charset="0"/>
+                        <a:cs typeface="Consolas" panose="020B0609020204030204" pitchFamily="49" charset="0"/>
+                      </a:endParaRPr>
+                    </a:p>
+                    <a:p>
+                      <a:r>
+                        <a:rPr lang="en-US" sz="1400" dirty="0" err="1" smtClean="0">
+                          <a:latin typeface="Consolas" panose="020B0609020204030204" pitchFamily="49" charset="0"/>
+                          <a:cs typeface="Consolas" panose="020B0609020204030204" pitchFamily="49" charset="0"/>
+                        </a:rPr>
+                        <a:t>test_scores</a:t>
+                      </a:r>
+                      <a:r>
+                        <a:rPr lang="en-US" sz="1400" dirty="0" smtClean="0">
+                          <a:latin typeface="Consolas" panose="020B0609020204030204" pitchFamily="49" charset="0"/>
+                          <a:cs typeface="Consolas" panose="020B0609020204030204" pitchFamily="49" charset="0"/>
+                        </a:rPr>
+                        <a:t> = [75, 38, 92, 15, 94, 50, 88]</a:t>
+                      </a:r>
+                    </a:p>
+                    <a:p>
+                      <a:r>
+                        <a:rPr lang="en-US" sz="1400" dirty="0" smtClean="0">
+                          <a:latin typeface="Consolas" panose="020B0609020204030204" pitchFamily="49" charset="0"/>
+                          <a:cs typeface="Consolas" panose="020B0609020204030204" pitchFamily="49" charset="0"/>
+                        </a:rPr>
+                        <a:t>print </a:t>
+                      </a:r>
+                      <a:r>
+                        <a:rPr lang="en-US" sz="1400" dirty="0" smtClean="0">
+                          <a:solidFill>
+                            <a:srgbClr val="FFFF00"/>
+                          </a:solidFill>
+                          <a:latin typeface="Consolas" panose="020B0609020204030204" pitchFamily="49" charset="0"/>
+                          <a:cs typeface="Consolas" panose="020B0609020204030204" pitchFamily="49" charset="0"/>
+                        </a:rPr>
+                        <a:t>ex3</a:t>
+                      </a:r>
+                      <a:r>
+                        <a:rPr lang="en-US" sz="1400" dirty="0" smtClean="0">
+                          <a:latin typeface="Consolas" panose="020B0609020204030204" pitchFamily="49" charset="0"/>
+                          <a:cs typeface="Consolas" panose="020B0609020204030204" pitchFamily="49" charset="0"/>
+                        </a:rPr>
+                        <a:t>(</a:t>
+                      </a:r>
+                      <a:r>
+                        <a:rPr lang="en-US" sz="1400" dirty="0" err="1" smtClean="0">
+                          <a:latin typeface="Consolas" panose="020B0609020204030204" pitchFamily="49" charset="0"/>
+                          <a:cs typeface="Consolas" panose="020B0609020204030204" pitchFamily="49" charset="0"/>
+                        </a:rPr>
+                        <a:t>test_scores</a:t>
+                      </a:r>
+                      <a:r>
+                        <a:rPr lang="en-US" sz="1400" dirty="0" smtClean="0">
+                          <a:latin typeface="Consolas" panose="020B0609020204030204" pitchFamily="49" charset="0"/>
+                          <a:cs typeface="Consolas" panose="020B0609020204030204" pitchFamily="49" charset="0"/>
+                        </a:rPr>
+                        <a:t>, 4)</a:t>
+                      </a:r>
+                      <a:r>
+                        <a:rPr lang="en-US" sz="1400" dirty="0" smtClean="0">
+                          <a:latin typeface="Consolas" panose="020B0609020204030204" pitchFamily="49" charset="0"/>
+                          <a:cs typeface="Consolas" panose="020B0609020204030204" pitchFamily="49" charset="0"/>
+                        </a:rPr>
+                        <a:t>	</a:t>
+                      </a:r>
+                    </a:p>
+                  </a:txBody>
+                  <a:tcPr/>
+                </a:tc>
+                <a:extLst>
+                  <a:ext uri="{0D108BD9-81ED-4DB2-BD59-A6C34878D82A}">
+                    <a16:rowId xmlns:a16="http://schemas.microsoft.com/office/drawing/2014/main" val="643227359"/>
+                  </a:ext>
+                </a:extLst>
+              </a:tr>
+            </a:tbl>
+          </a:graphicData>
+        </a:graphic>
+      </p:graphicFrame>
+      <p:graphicFrame>
+        <p:nvGraphicFramePr>
+          <p:cNvPr id="7" name="Table 6"/>
+          <p:cNvGraphicFramePr>
+            <a:graphicFrameLocks noGrp="1"/>
+          </p:cNvGraphicFramePr>
+          <p:nvPr>
+            <p:extLst>
+              <p:ext uri="{D42A27DB-BD31-4B8C-83A1-F6EECF244321}">
+                <p14:modId xmlns:p14="http://schemas.microsoft.com/office/powerpoint/2010/main" val="513169373"/>
+              </p:ext>
+            </p:extLst>
+          </p:nvPr>
+        </p:nvGraphicFramePr>
+        <p:xfrm>
+          <a:off x="6438900" y="1862668"/>
+          <a:ext cx="4724399" cy="457200"/>
+        </p:xfrm>
+        <a:graphic>
+          <a:graphicData uri="http://schemas.openxmlformats.org/drawingml/2006/table">
+            <a:tbl>
+              <a:tblPr firstRow="1" bandRow="1">
+                <a:tableStyleId>{5C22544A-7EE6-4342-B048-85BDC9FD1C3A}</a:tableStyleId>
+              </a:tblPr>
+              <a:tblGrid>
+                <a:gridCol w="4724399">
+                  <a:extLst>
+                    <a:ext uri="{9D8B030D-6E8A-4147-A177-3AD203B41FA5}">
+                      <a16:colId xmlns:a16="http://schemas.microsoft.com/office/drawing/2014/main" val="3049328480"/>
+                    </a:ext>
+                  </a:extLst>
+                </a:gridCol>
+              </a:tblGrid>
+              <a:tr h="457200">
+                <a:tc>
+                  <a:txBody>
+                    <a:bodyPr/>
+                    <a:lstStyle/>
+                    <a:p>
+                      <a:pPr marL="0" marR="0" indent="0" algn="l" defTabSz="914400" rtl="0" eaLnBrk="1" fontAlgn="auto" latinLnBrk="0" hangingPunct="1">
+                        <a:lnSpc>
+                          <a:spcPct val="100000"/>
+                        </a:lnSpc>
+                        <a:spcBef>
+                          <a:spcPts val="0"/>
+                        </a:spcBef>
+                        <a:spcAft>
+                          <a:spcPts val="0"/>
+                        </a:spcAft>
+                        <a:buClrTx/>
+                        <a:buSzTx/>
+                        <a:buFontTx/>
+                        <a:buNone/>
+                        <a:tabLst/>
+                        <a:defRPr/>
+                      </a:pPr>
+                      <a:r>
+                        <a:rPr lang="en-US" sz="2000" dirty="0" smtClean="0">
+                          <a:latin typeface="Consolas" panose="020B0609020204030204" pitchFamily="49" charset="0"/>
+                          <a:cs typeface="Consolas" panose="020B0609020204030204" pitchFamily="49" charset="0"/>
+                        </a:rPr>
+                        <a:t>Exercise3.py</a:t>
+                      </a:r>
+                      <a:endParaRPr lang="en-US" sz="2000" dirty="0" smtClean="0">
+                        <a:latin typeface="Consolas" panose="020B0609020204030204" pitchFamily="49" charset="0"/>
+                        <a:cs typeface="Consolas" panose="020B0609020204030204" pitchFamily="49" charset="0"/>
+                      </a:endParaRPr>
+                    </a:p>
+                  </a:txBody>
+                  <a:tcPr>
+                    <a:solidFill>
+                      <a:srgbClr val="0070C0"/>
+                    </a:solidFill>
+                  </a:tcPr>
+                </a:tc>
+                <a:extLst>
+                  <a:ext uri="{0D108BD9-81ED-4DB2-BD59-A6C34878D82A}">
+                    <a16:rowId xmlns:a16="http://schemas.microsoft.com/office/drawing/2014/main" val="643227359"/>
+                  </a:ext>
+                </a:extLst>
+              </a:tr>
+            </a:tbl>
+          </a:graphicData>
+        </a:graphic>
+      </p:graphicFrame>
+      <p:graphicFrame>
+        <p:nvGraphicFramePr>
+          <p:cNvPr id="9" name="Table 8"/>
+          <p:cNvGraphicFramePr>
+            <a:graphicFrameLocks noGrp="1"/>
+          </p:cNvGraphicFramePr>
+          <p:nvPr>
+            <p:extLst>
+              <p:ext uri="{D42A27DB-BD31-4B8C-83A1-F6EECF244321}">
+                <p14:modId xmlns:p14="http://schemas.microsoft.com/office/powerpoint/2010/main" val="3096770613"/>
+              </p:ext>
+            </p:extLst>
+          </p:nvPr>
+        </p:nvGraphicFramePr>
+        <p:xfrm>
+          <a:off x="1181100" y="2362200"/>
+          <a:ext cx="4572000" cy="3615268"/>
+        </p:xfrm>
+        <a:graphic>
+          <a:graphicData uri="http://schemas.openxmlformats.org/drawingml/2006/table">
+            <a:tbl>
+              <a:tblPr firstRow="1" bandRow="1">
+                <a:tableStyleId>{5C22544A-7EE6-4342-B048-85BDC9FD1C3A}</a:tableStyleId>
+              </a:tblPr>
+              <a:tblGrid>
+                <a:gridCol w="4572000">
+                  <a:extLst>
+                    <a:ext uri="{9D8B030D-6E8A-4147-A177-3AD203B41FA5}">
+                      <a16:colId xmlns:a16="http://schemas.microsoft.com/office/drawing/2014/main" val="3049328480"/>
+                    </a:ext>
+                  </a:extLst>
+                </a:gridCol>
+              </a:tblGrid>
+              <a:tr h="3615268">
+                <a:tc>
+                  <a:txBody>
+                    <a:bodyPr/>
+                    <a:lstStyle/>
+                    <a:p>
+                      <a:pPr marL="0" marR="0" indent="0" algn="l" defTabSz="914400" rtl="0" eaLnBrk="1" fontAlgn="auto" latinLnBrk="0" hangingPunct="1">
+                        <a:lnSpc>
+                          <a:spcPct val="100000"/>
+                        </a:lnSpc>
+                        <a:spcBef>
+                          <a:spcPts val="0"/>
+                        </a:spcBef>
+                        <a:spcAft>
+                          <a:spcPts val="0"/>
+                        </a:spcAft>
+                        <a:buClrTx/>
+                        <a:buSzTx/>
+                        <a:buFont typeface="Wingdings" panose="05000000000000000000" pitchFamily="2" charset="2"/>
+                        <a:buNone/>
+                        <a:tabLst/>
+                        <a:defRPr/>
+                      </a:pPr>
+                      <a:r>
+                        <a:rPr lang="en-US" sz="1800" dirty="0" smtClean="0">
+                          <a:latin typeface="Consolas" panose="020B0609020204030204" pitchFamily="49" charset="0"/>
+                          <a:cs typeface="Consolas" panose="020B0609020204030204" pitchFamily="49" charset="0"/>
+                        </a:rPr>
+                        <a:t>&gt; python Exercise3.py</a:t>
+                      </a:r>
+                    </a:p>
+                    <a:p>
+                      <a:pPr marL="0" marR="0" indent="0" algn="l" defTabSz="914400" rtl="0" eaLnBrk="1" fontAlgn="auto" latinLnBrk="0" hangingPunct="1">
+                        <a:lnSpc>
+                          <a:spcPct val="100000"/>
+                        </a:lnSpc>
+                        <a:spcBef>
+                          <a:spcPts val="0"/>
+                        </a:spcBef>
+                        <a:spcAft>
+                          <a:spcPts val="0"/>
+                        </a:spcAft>
+                        <a:buClrTx/>
+                        <a:buSzTx/>
+                        <a:buFont typeface="Wingdings" panose="05000000000000000000" pitchFamily="2" charset="2"/>
+                        <a:buNone/>
+                        <a:tabLst/>
+                        <a:defRPr/>
+                      </a:pPr>
+                      <a:endParaRPr lang="en-US" sz="1800" dirty="0" smtClean="0">
+                        <a:latin typeface="Consolas" panose="020B0609020204030204" pitchFamily="49" charset="0"/>
+                        <a:cs typeface="Consolas" panose="020B0609020204030204" pitchFamily="49" charset="0"/>
+                      </a:endParaRPr>
+                    </a:p>
+                    <a:p>
+                      <a:pPr marL="0" marR="0" indent="0" algn="l" defTabSz="914400" rtl="0" eaLnBrk="1" fontAlgn="auto" latinLnBrk="0" hangingPunct="1">
+                        <a:lnSpc>
+                          <a:spcPct val="100000"/>
+                        </a:lnSpc>
+                        <a:spcBef>
+                          <a:spcPts val="0"/>
+                        </a:spcBef>
+                        <a:spcAft>
+                          <a:spcPts val="0"/>
+                        </a:spcAft>
+                        <a:buClrTx/>
+                        <a:buSzTx/>
+                        <a:buFont typeface="Wingdings" panose="05000000000000000000" pitchFamily="2" charset="2"/>
+                        <a:buNone/>
+                        <a:tabLst/>
+                        <a:defRPr/>
+                      </a:pPr>
+                      <a:r>
+                        <a:rPr lang="en-US" sz="1800" dirty="0" smtClean="0">
+                          <a:latin typeface="Consolas" panose="020B0609020204030204" pitchFamily="49" charset="0"/>
+                          <a:cs typeface="Consolas" panose="020B0609020204030204" pitchFamily="49" charset="0"/>
+                        </a:rPr>
+                        <a:t>[75, 88, 92, 94]</a:t>
+                      </a:r>
+                      <a:endParaRPr lang="en-US" sz="1800" dirty="0" smtClean="0">
+                        <a:latin typeface="Consolas" panose="020B0609020204030204" pitchFamily="49" charset="0"/>
+                        <a:cs typeface="Consolas" panose="020B0609020204030204" pitchFamily="49" charset="0"/>
+                      </a:endParaRPr>
+                    </a:p>
+                  </a:txBody>
+                  <a:tcPr/>
+                </a:tc>
+                <a:extLst>
+                  <a:ext uri="{0D108BD9-81ED-4DB2-BD59-A6C34878D82A}">
+                    <a16:rowId xmlns:a16="http://schemas.microsoft.com/office/drawing/2014/main" val="643227359"/>
+                  </a:ext>
+                </a:extLst>
+              </a:tr>
+            </a:tbl>
+          </a:graphicData>
+        </a:graphic>
+      </p:graphicFrame>
     </p:spTree>
     <p:extLst>
       <p:ext uri="{BB962C8B-B14F-4D97-AF65-F5344CB8AC3E}">
@@ -36602,7 +37237,29 @@
           <a:bodyPr/>
           <a:lstStyle/>
           <a:p>
-            <a:endParaRPr lang="en-US"/>
+            <a:r>
+              <a:rPr lang="en-US" dirty="0" smtClean="0"/>
+              <a:t>Write a function with </a:t>
+            </a:r>
+            <a:r>
+              <a:rPr lang="en-US" dirty="0" smtClean="0"/>
+              <a:t>one input, </a:t>
+            </a:r>
+            <a:r>
+              <a:rPr lang="en-US" b="1" dirty="0" smtClean="0">
+                <a:solidFill>
+                  <a:srgbClr val="0070C0"/>
+                </a:solidFill>
+              </a:rPr>
+              <a:t>ex4(string)</a:t>
+            </a:r>
+            <a:r>
+              <a:rPr lang="en-US" dirty="0" smtClean="0"/>
+              <a:t> which counts the number of occurrences of each character within the string, and returns it as a dictionary.</a:t>
+            </a:r>
+          </a:p>
+          <a:p>
+            <a:endParaRPr lang="en-US" dirty="0"/>
           </a:p>
         </p:txBody>
       </p:sp>
@@ -36815,9 +37472,7 @@
           </p:nvPr>
         </p:nvSpPr>
         <p:spPr>
-          <a:solidFill>
-            <a:srgbClr val="FFFF00"/>
-          </a:solidFill>
+          <a:noFill/>
         </p:spPr>
         <p:txBody>
           <a:bodyPr/>
@@ -36841,12 +37496,34 @@
             <p:ph idx="1"/>
           </p:nvPr>
         </p:nvSpPr>
-        <p:spPr/>
+        <p:spPr>
+          <a:xfrm>
+            <a:off x="1097280" y="1845734"/>
+            <a:ext cx="4655820" cy="4023360"/>
+          </a:xfrm>
+        </p:spPr>
         <p:txBody>
           <a:bodyPr/>
           <a:lstStyle/>
           <a:p>
-            <a:endParaRPr lang="en-US"/>
+            <a:r>
+              <a:rPr lang="en-US" dirty="0" smtClean="0"/>
+              <a:t>Return a dictionary with:</a:t>
+            </a:r>
+          </a:p>
+          <a:p>
+            <a:pPr lvl="1"/>
+            <a:r>
+              <a:rPr lang="en-US" dirty="0" smtClean="0"/>
+              <a:t>Each character being a key</a:t>
+            </a:r>
+          </a:p>
+          <a:p>
+            <a:pPr lvl="1"/>
+            <a:r>
+              <a:rPr lang="en-US" dirty="0" smtClean="0"/>
+              <a:t>The value associated with each key is the number of occurrences of that character</a:t>
+            </a:r>
           </a:p>
         </p:txBody>
       </p:sp>
@@ -36896,6 +37573,284 @@
           </a:p>
         </p:txBody>
       </p:sp>
+      <p:graphicFrame>
+        <p:nvGraphicFramePr>
+          <p:cNvPr id="6" name="Table 5"/>
+          <p:cNvGraphicFramePr>
+            <a:graphicFrameLocks noGrp="1"/>
+          </p:cNvGraphicFramePr>
+          <p:nvPr>
+            <p:extLst>
+              <p:ext uri="{D42A27DB-BD31-4B8C-83A1-F6EECF244321}">
+                <p14:modId xmlns:p14="http://schemas.microsoft.com/office/powerpoint/2010/main" val="2618497443"/>
+              </p:ext>
+            </p:extLst>
+          </p:nvPr>
+        </p:nvGraphicFramePr>
+        <p:xfrm>
+          <a:off x="6438900" y="2362200"/>
+          <a:ext cx="4724400" cy="3615267"/>
+        </p:xfrm>
+        <a:graphic>
+          <a:graphicData uri="http://schemas.openxmlformats.org/drawingml/2006/table">
+            <a:tbl>
+              <a:tblPr firstRow="1" bandRow="1">
+                <a:tableStyleId>{5C22544A-7EE6-4342-B048-85BDC9FD1C3A}</a:tableStyleId>
+              </a:tblPr>
+              <a:tblGrid>
+                <a:gridCol w="4724400">
+                  <a:extLst>
+                    <a:ext uri="{9D8B030D-6E8A-4147-A177-3AD203B41FA5}">
+                      <a16:colId xmlns:a16="http://schemas.microsoft.com/office/drawing/2014/main" val="3049328480"/>
+                    </a:ext>
+                  </a:extLst>
+                </a:gridCol>
+              </a:tblGrid>
+              <a:tr h="3615267">
+                <a:tc>
+                  <a:txBody>
+                    <a:bodyPr/>
+                    <a:lstStyle/>
+                    <a:p>
+                      <a:r>
+                        <a:rPr lang="en-US" sz="1400" dirty="0" smtClean="0">
+                          <a:latin typeface="Consolas" panose="020B0609020204030204" pitchFamily="49" charset="0"/>
+                          <a:cs typeface="Consolas" panose="020B0609020204030204" pitchFamily="49" charset="0"/>
+                        </a:rPr>
+                        <a:t>def </a:t>
+                      </a:r>
+                      <a:r>
+                        <a:rPr lang="en-US" sz="1400" dirty="0" smtClean="0">
+                          <a:solidFill>
+                            <a:srgbClr val="FFFF00"/>
+                          </a:solidFill>
+                          <a:latin typeface="Consolas" panose="020B0609020204030204" pitchFamily="49" charset="0"/>
+                          <a:cs typeface="Consolas" panose="020B0609020204030204" pitchFamily="49" charset="0"/>
+                        </a:rPr>
+                        <a:t>ex4</a:t>
+                      </a:r>
+                      <a:r>
+                        <a:rPr lang="en-US" sz="1400" dirty="0" smtClean="0">
+                          <a:latin typeface="Consolas" panose="020B0609020204030204" pitchFamily="49" charset="0"/>
+                          <a:cs typeface="Consolas" panose="020B0609020204030204" pitchFamily="49" charset="0"/>
+                        </a:rPr>
+                        <a:t>(string):</a:t>
+                      </a:r>
+                      <a:endParaRPr lang="en-US" sz="1400" dirty="0" smtClean="0">
+                        <a:latin typeface="Consolas" panose="020B0609020204030204" pitchFamily="49" charset="0"/>
+                        <a:cs typeface="Consolas" panose="020B0609020204030204" pitchFamily="49" charset="0"/>
+                      </a:endParaRPr>
+                    </a:p>
+                    <a:p>
+                      <a:r>
+                        <a:rPr lang="en-US" sz="1400" dirty="0" smtClean="0">
+                          <a:latin typeface="Consolas" panose="020B0609020204030204" pitchFamily="49" charset="0"/>
+                          <a:cs typeface="Consolas" panose="020B0609020204030204" pitchFamily="49" charset="0"/>
+                        </a:rPr>
+                        <a:t>    #</a:t>
+                      </a:r>
+                    </a:p>
+                    <a:p>
+                      <a:r>
+                        <a:rPr lang="en-US" sz="1400" dirty="0" smtClean="0">
+                          <a:latin typeface="Consolas" panose="020B0609020204030204" pitchFamily="49" charset="0"/>
+                          <a:cs typeface="Consolas" panose="020B0609020204030204" pitchFamily="49" charset="0"/>
+                        </a:rPr>
+                        <a:t>    # code goes here !</a:t>
+                      </a:r>
+                    </a:p>
+                    <a:p>
+                      <a:r>
+                        <a:rPr lang="en-US" sz="1400" dirty="0" smtClean="0">
+                          <a:latin typeface="Consolas" panose="020B0609020204030204" pitchFamily="49" charset="0"/>
+                          <a:cs typeface="Consolas" panose="020B0609020204030204" pitchFamily="49" charset="0"/>
+                        </a:rPr>
+                        <a:t>    #</a:t>
+                      </a:r>
+                    </a:p>
+                    <a:p>
+                      <a:r>
+                        <a:rPr lang="en-US" sz="1400" dirty="0" smtClean="0">
+                          <a:latin typeface="Consolas" panose="020B0609020204030204" pitchFamily="49" charset="0"/>
+                          <a:cs typeface="Consolas" panose="020B0609020204030204" pitchFamily="49" charset="0"/>
+                        </a:rPr>
+                        <a:t>    </a:t>
+                      </a:r>
+                      <a:r>
+                        <a:rPr lang="en-US" sz="1400" dirty="0" smtClean="0">
+                          <a:latin typeface="Consolas" panose="020B0609020204030204" pitchFamily="49" charset="0"/>
+                          <a:cs typeface="Consolas" panose="020B0609020204030204" pitchFamily="49" charset="0"/>
+                        </a:rPr>
+                        <a:t>#</a:t>
+                      </a:r>
+                    </a:p>
+                    <a:p>
+                      <a:endParaRPr lang="en-US" sz="1400" dirty="0" smtClean="0">
+                        <a:latin typeface="Consolas" panose="020B0609020204030204" pitchFamily="49" charset="0"/>
+                        <a:cs typeface="Consolas" panose="020B0609020204030204" pitchFamily="49" charset="0"/>
+                      </a:endParaRPr>
+                    </a:p>
+                    <a:p>
+                      <a:r>
+                        <a:rPr lang="en-US" sz="1400" dirty="0" err="1" smtClean="0">
+                          <a:latin typeface="Consolas" panose="020B0609020204030204" pitchFamily="49" charset="0"/>
+                          <a:cs typeface="Consolas" panose="020B0609020204030204" pitchFamily="49" charset="0"/>
+                        </a:rPr>
+                        <a:t>test_string</a:t>
+                      </a:r>
+                      <a:r>
+                        <a:rPr lang="en-US" sz="1400" dirty="0" smtClean="0">
+                          <a:latin typeface="Consolas" panose="020B0609020204030204" pitchFamily="49" charset="0"/>
+                          <a:cs typeface="Consolas" panose="020B0609020204030204" pitchFamily="49" charset="0"/>
+                        </a:rPr>
+                        <a:t> = 'the quick brown fox jumps over the lazy dog'</a:t>
+                      </a:r>
+                    </a:p>
+                    <a:p>
+                      <a:r>
+                        <a:rPr lang="en-US" sz="1400" dirty="0" smtClean="0">
+                          <a:latin typeface="Consolas" panose="020B0609020204030204" pitchFamily="49" charset="0"/>
+                          <a:cs typeface="Consolas" panose="020B0609020204030204" pitchFamily="49" charset="0"/>
+                        </a:rPr>
+                        <a:t>print </a:t>
+                      </a:r>
+                      <a:r>
+                        <a:rPr lang="en-US" sz="1400" dirty="0" smtClean="0">
+                          <a:solidFill>
+                            <a:srgbClr val="FFFF00"/>
+                          </a:solidFill>
+                          <a:latin typeface="Consolas" panose="020B0609020204030204" pitchFamily="49" charset="0"/>
+                          <a:cs typeface="Consolas" panose="020B0609020204030204" pitchFamily="49" charset="0"/>
+                        </a:rPr>
+                        <a:t>ex4</a:t>
+                      </a:r>
+                      <a:r>
+                        <a:rPr lang="en-US" sz="1400" dirty="0" smtClean="0">
+                          <a:latin typeface="Consolas" panose="020B0609020204030204" pitchFamily="49" charset="0"/>
+                          <a:cs typeface="Consolas" panose="020B0609020204030204" pitchFamily="49" charset="0"/>
+                        </a:rPr>
+                        <a:t>(</a:t>
+                      </a:r>
+                      <a:r>
+                        <a:rPr lang="en-US" sz="1400" dirty="0" err="1" smtClean="0">
+                          <a:latin typeface="Consolas" panose="020B0609020204030204" pitchFamily="49" charset="0"/>
+                          <a:cs typeface="Consolas" panose="020B0609020204030204" pitchFamily="49" charset="0"/>
+                        </a:rPr>
+                        <a:t>test_string</a:t>
+                      </a:r>
+                      <a:r>
+                        <a:rPr lang="en-US" sz="1400" dirty="0" smtClean="0">
+                          <a:latin typeface="Consolas" panose="020B0609020204030204" pitchFamily="49" charset="0"/>
+                          <a:cs typeface="Consolas" panose="020B0609020204030204" pitchFamily="49" charset="0"/>
+                        </a:rPr>
+                        <a:t>)</a:t>
+                      </a:r>
+                      <a:r>
+                        <a:rPr lang="en-US" sz="1400" dirty="0" smtClean="0">
+                          <a:latin typeface="Consolas" panose="020B0609020204030204" pitchFamily="49" charset="0"/>
+                          <a:cs typeface="Consolas" panose="020B0609020204030204" pitchFamily="49" charset="0"/>
+                        </a:rPr>
+                        <a:t>	</a:t>
+                      </a:r>
+                    </a:p>
+                  </a:txBody>
+                  <a:tcPr/>
+                </a:tc>
+                <a:extLst>
+                  <a:ext uri="{0D108BD9-81ED-4DB2-BD59-A6C34878D82A}">
+                    <a16:rowId xmlns:a16="http://schemas.microsoft.com/office/drawing/2014/main" val="643227359"/>
+                  </a:ext>
+                </a:extLst>
+              </a:tr>
+            </a:tbl>
+          </a:graphicData>
+        </a:graphic>
+      </p:graphicFrame>
+      <p:graphicFrame>
+        <p:nvGraphicFramePr>
+          <p:cNvPr id="7" name="Table 6"/>
+          <p:cNvGraphicFramePr>
+            <a:graphicFrameLocks noGrp="1"/>
+          </p:cNvGraphicFramePr>
+          <p:nvPr>
+            <p:extLst>
+              <p:ext uri="{D42A27DB-BD31-4B8C-83A1-F6EECF244321}">
+                <p14:modId xmlns:p14="http://schemas.microsoft.com/office/powerpoint/2010/main" val="1596695934"/>
+              </p:ext>
+            </p:extLst>
+          </p:nvPr>
+        </p:nvGraphicFramePr>
+        <p:xfrm>
+          <a:off x="6438900" y="1862668"/>
+          <a:ext cx="4724399" cy="457200"/>
+        </p:xfrm>
+        <a:graphic>
+          <a:graphicData uri="http://schemas.openxmlformats.org/drawingml/2006/table">
+            <a:tbl>
+              <a:tblPr firstRow="1" bandRow="1">
+                <a:tableStyleId>{5C22544A-7EE6-4342-B048-85BDC9FD1C3A}</a:tableStyleId>
+              </a:tblPr>
+              <a:tblGrid>
+                <a:gridCol w="4724399">
+                  <a:extLst>
+                    <a:ext uri="{9D8B030D-6E8A-4147-A177-3AD203B41FA5}">
+                      <a16:colId xmlns:a16="http://schemas.microsoft.com/office/drawing/2014/main" val="3049328480"/>
+                    </a:ext>
+                  </a:extLst>
+                </a:gridCol>
+              </a:tblGrid>
+              <a:tr h="457200">
+                <a:tc>
+                  <a:txBody>
+                    <a:bodyPr/>
+                    <a:lstStyle/>
+                    <a:p>
+                      <a:pPr marL="0" marR="0" indent="0" algn="l" defTabSz="914400" rtl="0" eaLnBrk="1" fontAlgn="auto" latinLnBrk="0" hangingPunct="1">
+                        <a:lnSpc>
+                          <a:spcPct val="100000"/>
+                        </a:lnSpc>
+                        <a:spcBef>
+                          <a:spcPts val="0"/>
+                        </a:spcBef>
+                        <a:spcAft>
+                          <a:spcPts val="0"/>
+                        </a:spcAft>
+                        <a:buClrTx/>
+                        <a:buSzTx/>
+                        <a:buFontTx/>
+                        <a:buNone/>
+                        <a:tabLst/>
+                        <a:defRPr/>
+                      </a:pPr>
+                      <a:r>
+                        <a:rPr lang="en-US" sz="2000" dirty="0" smtClean="0">
+                          <a:latin typeface="Consolas" panose="020B0609020204030204" pitchFamily="49" charset="0"/>
+                          <a:cs typeface="Consolas" panose="020B0609020204030204" pitchFamily="49" charset="0"/>
+                        </a:rPr>
+                        <a:t>Exercise4.py</a:t>
+                      </a:r>
+                      <a:endParaRPr lang="en-US" sz="2000" dirty="0" smtClean="0">
+                        <a:latin typeface="Consolas" panose="020B0609020204030204" pitchFamily="49" charset="0"/>
+                        <a:cs typeface="Consolas" panose="020B0609020204030204" pitchFamily="49" charset="0"/>
+                      </a:endParaRPr>
+                    </a:p>
+                  </a:txBody>
+                  <a:tcPr>
+                    <a:solidFill>
+                      <a:srgbClr val="0070C0"/>
+                    </a:solidFill>
+                  </a:tcPr>
+                </a:tc>
+                <a:extLst>
+                  <a:ext uri="{0D108BD9-81ED-4DB2-BD59-A6C34878D82A}">
+                    <a16:rowId xmlns:a16="http://schemas.microsoft.com/office/drawing/2014/main" val="643227359"/>
+                  </a:ext>
+                </a:extLst>
+              </a:tr>
+            </a:tbl>
+          </a:graphicData>
+        </a:graphic>
+      </p:graphicFrame>
     </p:spTree>
     <p:extLst>
       <p:ext uri="{BB962C8B-B14F-4D97-AF65-F5344CB8AC3E}">
@@ -36937,9 +37892,7 @@
           </p:nvPr>
         </p:nvSpPr>
         <p:spPr>
-          <a:solidFill>
-            <a:srgbClr val="FFFF00"/>
-          </a:solidFill>
+          <a:noFill/>
         </p:spPr>
         <p:txBody>
           <a:bodyPr/>
@@ -36950,25 +37903,6 @@
               <a:t>Exercise 4</a:t>
             </a:r>
             <a:endParaRPr lang="en-US" dirty="0"/>
-          </a:p>
-        </p:txBody>
-      </p:sp>
-      <p:sp>
-        <p:nvSpPr>
-          <p:cNvPr id="3" name="Content Placeholder 2"/>
-          <p:cNvSpPr>
-            <a:spLocks noGrp="1"/>
-          </p:cNvSpPr>
-          <p:nvPr>
-            <p:ph idx="1"/>
-          </p:nvPr>
-        </p:nvSpPr>
-        <p:spPr/>
-        <p:txBody>
-          <a:bodyPr/>
-          <a:lstStyle/>
-          <a:p>
-            <a:endParaRPr lang="en-US"/>
           </a:p>
         </p:txBody>
       </p:sp>
@@ -37018,6 +37952,475 @@
           </a:p>
         </p:txBody>
       </p:sp>
+      <p:graphicFrame>
+        <p:nvGraphicFramePr>
+          <p:cNvPr id="6" name="Table 5"/>
+          <p:cNvGraphicFramePr>
+            <a:graphicFrameLocks noGrp="1"/>
+          </p:cNvGraphicFramePr>
+          <p:nvPr>
+            <p:extLst>
+              <p:ext uri="{D42A27DB-BD31-4B8C-83A1-F6EECF244321}">
+                <p14:modId xmlns:p14="http://schemas.microsoft.com/office/powerpoint/2010/main" val="1500020390"/>
+              </p:ext>
+            </p:extLst>
+          </p:nvPr>
+        </p:nvGraphicFramePr>
+        <p:xfrm>
+          <a:off x="6438900" y="2362200"/>
+          <a:ext cx="4724400" cy="3615267"/>
+        </p:xfrm>
+        <a:graphic>
+          <a:graphicData uri="http://schemas.openxmlformats.org/drawingml/2006/table">
+            <a:tbl>
+              <a:tblPr firstRow="1" bandRow="1">
+                <a:tableStyleId>{5C22544A-7EE6-4342-B048-85BDC9FD1C3A}</a:tableStyleId>
+              </a:tblPr>
+              <a:tblGrid>
+                <a:gridCol w="4724400">
+                  <a:extLst>
+                    <a:ext uri="{9D8B030D-6E8A-4147-A177-3AD203B41FA5}">
+                      <a16:colId xmlns:a16="http://schemas.microsoft.com/office/drawing/2014/main" val="3049328480"/>
+                    </a:ext>
+                  </a:extLst>
+                </a:gridCol>
+              </a:tblGrid>
+              <a:tr h="3615267">
+                <a:tc>
+                  <a:txBody>
+                    <a:bodyPr/>
+                    <a:lstStyle/>
+                    <a:p>
+                      <a:r>
+                        <a:rPr lang="en-US" sz="1400" dirty="0" smtClean="0">
+                          <a:latin typeface="Consolas" panose="020B0609020204030204" pitchFamily="49" charset="0"/>
+                          <a:cs typeface="Consolas" panose="020B0609020204030204" pitchFamily="49" charset="0"/>
+                        </a:rPr>
+                        <a:t>def </a:t>
+                      </a:r>
+                      <a:r>
+                        <a:rPr lang="en-US" sz="1400" dirty="0" smtClean="0">
+                          <a:solidFill>
+                            <a:srgbClr val="FFFF00"/>
+                          </a:solidFill>
+                          <a:latin typeface="Consolas" panose="020B0609020204030204" pitchFamily="49" charset="0"/>
+                          <a:cs typeface="Consolas" panose="020B0609020204030204" pitchFamily="49" charset="0"/>
+                        </a:rPr>
+                        <a:t>ex4</a:t>
+                      </a:r>
+                      <a:r>
+                        <a:rPr lang="en-US" sz="1400" dirty="0" smtClean="0">
+                          <a:latin typeface="Consolas" panose="020B0609020204030204" pitchFamily="49" charset="0"/>
+                          <a:cs typeface="Consolas" panose="020B0609020204030204" pitchFamily="49" charset="0"/>
+                        </a:rPr>
+                        <a:t>(string):</a:t>
+                      </a:r>
+                    </a:p>
+                    <a:p>
+                      <a:r>
+                        <a:rPr lang="en-US" sz="1400" dirty="0" smtClean="0">
+                          <a:latin typeface="Consolas" panose="020B0609020204030204" pitchFamily="49" charset="0"/>
+                          <a:cs typeface="Consolas" panose="020B0609020204030204" pitchFamily="49" charset="0"/>
+                        </a:rPr>
+                        <a:t>    string = </a:t>
+                      </a:r>
+                      <a:r>
+                        <a:rPr lang="en-US" sz="1400" dirty="0" err="1" smtClean="0">
+                          <a:latin typeface="Consolas" panose="020B0609020204030204" pitchFamily="49" charset="0"/>
+                          <a:cs typeface="Consolas" panose="020B0609020204030204" pitchFamily="49" charset="0"/>
+                        </a:rPr>
+                        <a:t>string.lower</a:t>
+                      </a:r>
+                      <a:r>
+                        <a:rPr lang="en-US" sz="1400" dirty="0" smtClean="0">
+                          <a:latin typeface="Consolas" panose="020B0609020204030204" pitchFamily="49" charset="0"/>
+                          <a:cs typeface="Consolas" panose="020B0609020204030204" pitchFamily="49" charset="0"/>
+                        </a:rPr>
+                        <a:t>()</a:t>
+                      </a:r>
+                    </a:p>
+                    <a:p>
+                      <a:r>
+                        <a:rPr lang="en-US" sz="1400" dirty="0" smtClean="0">
+                          <a:latin typeface="Consolas" panose="020B0609020204030204" pitchFamily="49" charset="0"/>
+                          <a:cs typeface="Consolas" panose="020B0609020204030204" pitchFamily="49" charset="0"/>
+                        </a:rPr>
+                        <a:t>    result = {}</a:t>
+                      </a:r>
+                    </a:p>
+                    <a:p>
+                      <a:r>
+                        <a:rPr lang="en-US" sz="1400" dirty="0" smtClean="0">
+                          <a:latin typeface="Consolas" panose="020B0609020204030204" pitchFamily="49" charset="0"/>
+                          <a:cs typeface="Consolas" panose="020B0609020204030204" pitchFamily="49" charset="0"/>
+                        </a:rPr>
+                        <a:t>    for letter in string:</a:t>
+                      </a:r>
+                    </a:p>
+                    <a:p>
+                      <a:r>
+                        <a:rPr lang="en-US" sz="1400" dirty="0" smtClean="0">
+                          <a:latin typeface="Consolas" panose="020B0609020204030204" pitchFamily="49" charset="0"/>
+                          <a:cs typeface="Consolas" panose="020B0609020204030204" pitchFamily="49" charset="0"/>
+                        </a:rPr>
+                        <a:t>        if letter in result:</a:t>
+                      </a:r>
+                    </a:p>
+                    <a:p>
+                      <a:r>
+                        <a:rPr lang="en-US" sz="1400" dirty="0" smtClean="0">
+                          <a:latin typeface="Consolas" panose="020B0609020204030204" pitchFamily="49" charset="0"/>
+                          <a:cs typeface="Consolas" panose="020B0609020204030204" pitchFamily="49" charset="0"/>
+                        </a:rPr>
+                        <a:t>            result[letter] += 1</a:t>
+                      </a:r>
+                    </a:p>
+                    <a:p>
+                      <a:r>
+                        <a:rPr lang="en-US" sz="1400" dirty="0" smtClean="0">
+                          <a:latin typeface="Consolas" panose="020B0609020204030204" pitchFamily="49" charset="0"/>
+                          <a:cs typeface="Consolas" panose="020B0609020204030204" pitchFamily="49" charset="0"/>
+                        </a:rPr>
+                        <a:t>        else:</a:t>
+                      </a:r>
+                    </a:p>
+                    <a:p>
+                      <a:r>
+                        <a:rPr lang="en-US" sz="1400" dirty="0" smtClean="0">
+                          <a:latin typeface="Consolas" panose="020B0609020204030204" pitchFamily="49" charset="0"/>
+                          <a:cs typeface="Consolas" panose="020B0609020204030204" pitchFamily="49" charset="0"/>
+                        </a:rPr>
+                        <a:t>            result[letter] = 1</a:t>
+                      </a:r>
+                    </a:p>
+                    <a:p>
+                      <a:r>
+                        <a:rPr lang="en-US" sz="1400" dirty="0" smtClean="0">
+                          <a:latin typeface="Consolas" panose="020B0609020204030204" pitchFamily="49" charset="0"/>
+                          <a:cs typeface="Consolas" panose="020B0609020204030204" pitchFamily="49" charset="0"/>
+                        </a:rPr>
+                        <a:t>    return result</a:t>
+                      </a:r>
+                    </a:p>
+                    <a:p>
+                      <a:endParaRPr lang="en-US" sz="1400" dirty="0" smtClean="0">
+                        <a:latin typeface="Consolas" panose="020B0609020204030204" pitchFamily="49" charset="0"/>
+                        <a:cs typeface="Consolas" panose="020B0609020204030204" pitchFamily="49" charset="0"/>
+                      </a:endParaRPr>
+                    </a:p>
+                    <a:p>
+                      <a:r>
+                        <a:rPr lang="en-US" sz="1400" dirty="0" err="1" smtClean="0">
+                          <a:latin typeface="Consolas" panose="020B0609020204030204" pitchFamily="49" charset="0"/>
+                          <a:cs typeface="Consolas" panose="020B0609020204030204" pitchFamily="49" charset="0"/>
+                        </a:rPr>
+                        <a:t>test_string</a:t>
+                      </a:r>
+                      <a:r>
+                        <a:rPr lang="en-US" sz="1400" dirty="0" smtClean="0">
+                          <a:latin typeface="Consolas" panose="020B0609020204030204" pitchFamily="49" charset="0"/>
+                          <a:cs typeface="Consolas" panose="020B0609020204030204" pitchFamily="49" charset="0"/>
+                        </a:rPr>
+                        <a:t> = 'the quick brown fox jumps over the lazy dog'</a:t>
+                      </a:r>
+                    </a:p>
+                    <a:p>
+                      <a:r>
+                        <a:rPr lang="en-US" sz="1400" dirty="0" smtClean="0">
+                          <a:latin typeface="Consolas" panose="020B0609020204030204" pitchFamily="49" charset="0"/>
+                          <a:cs typeface="Consolas" panose="020B0609020204030204" pitchFamily="49" charset="0"/>
+                        </a:rPr>
+                        <a:t>print </a:t>
+                      </a:r>
+                      <a:r>
+                        <a:rPr lang="en-US" sz="1400" dirty="0" smtClean="0">
+                          <a:solidFill>
+                            <a:srgbClr val="FFFF00"/>
+                          </a:solidFill>
+                          <a:latin typeface="Consolas" panose="020B0609020204030204" pitchFamily="49" charset="0"/>
+                          <a:cs typeface="Consolas" panose="020B0609020204030204" pitchFamily="49" charset="0"/>
+                        </a:rPr>
+                        <a:t>ex4</a:t>
+                      </a:r>
+                      <a:r>
+                        <a:rPr lang="en-US" sz="1400" dirty="0" smtClean="0">
+                          <a:latin typeface="Consolas" panose="020B0609020204030204" pitchFamily="49" charset="0"/>
+                          <a:cs typeface="Consolas" panose="020B0609020204030204" pitchFamily="49" charset="0"/>
+                        </a:rPr>
+                        <a:t>(</a:t>
+                      </a:r>
+                      <a:r>
+                        <a:rPr lang="en-US" sz="1400" dirty="0" err="1" smtClean="0">
+                          <a:latin typeface="Consolas" panose="020B0609020204030204" pitchFamily="49" charset="0"/>
+                          <a:cs typeface="Consolas" panose="020B0609020204030204" pitchFamily="49" charset="0"/>
+                        </a:rPr>
+                        <a:t>test_string</a:t>
+                      </a:r>
+                      <a:r>
+                        <a:rPr lang="en-US" sz="1400" dirty="0" smtClean="0">
+                          <a:latin typeface="Consolas" panose="020B0609020204030204" pitchFamily="49" charset="0"/>
+                          <a:cs typeface="Consolas" panose="020B0609020204030204" pitchFamily="49" charset="0"/>
+                        </a:rPr>
+                        <a:t>)</a:t>
+                      </a:r>
+                      <a:endParaRPr lang="en-US" sz="1400" dirty="0" smtClean="0">
+                        <a:latin typeface="Consolas" panose="020B0609020204030204" pitchFamily="49" charset="0"/>
+                        <a:cs typeface="Consolas" panose="020B0609020204030204" pitchFamily="49" charset="0"/>
+                      </a:endParaRPr>
+                    </a:p>
+                  </a:txBody>
+                  <a:tcPr/>
+                </a:tc>
+                <a:extLst>
+                  <a:ext uri="{0D108BD9-81ED-4DB2-BD59-A6C34878D82A}">
+                    <a16:rowId xmlns:a16="http://schemas.microsoft.com/office/drawing/2014/main" val="643227359"/>
+                  </a:ext>
+                </a:extLst>
+              </a:tr>
+            </a:tbl>
+          </a:graphicData>
+        </a:graphic>
+      </p:graphicFrame>
+      <p:graphicFrame>
+        <p:nvGraphicFramePr>
+          <p:cNvPr id="7" name="Table 6"/>
+          <p:cNvGraphicFramePr>
+            <a:graphicFrameLocks noGrp="1"/>
+          </p:cNvGraphicFramePr>
+          <p:nvPr>
+            <p:extLst>
+              <p:ext uri="{D42A27DB-BD31-4B8C-83A1-F6EECF244321}">
+                <p14:modId xmlns:p14="http://schemas.microsoft.com/office/powerpoint/2010/main" val="3620979367"/>
+              </p:ext>
+            </p:extLst>
+          </p:nvPr>
+        </p:nvGraphicFramePr>
+        <p:xfrm>
+          <a:off x="6438900" y="1862668"/>
+          <a:ext cx="4724399" cy="457200"/>
+        </p:xfrm>
+        <a:graphic>
+          <a:graphicData uri="http://schemas.openxmlformats.org/drawingml/2006/table">
+            <a:tbl>
+              <a:tblPr firstRow="1" bandRow="1">
+                <a:tableStyleId>{5C22544A-7EE6-4342-B048-85BDC9FD1C3A}</a:tableStyleId>
+              </a:tblPr>
+              <a:tblGrid>
+                <a:gridCol w="4724399">
+                  <a:extLst>
+                    <a:ext uri="{9D8B030D-6E8A-4147-A177-3AD203B41FA5}">
+                      <a16:colId xmlns:a16="http://schemas.microsoft.com/office/drawing/2014/main" val="3049328480"/>
+                    </a:ext>
+                  </a:extLst>
+                </a:gridCol>
+              </a:tblGrid>
+              <a:tr h="457200">
+                <a:tc>
+                  <a:txBody>
+                    <a:bodyPr/>
+                    <a:lstStyle/>
+                    <a:p>
+                      <a:pPr marL="0" marR="0" indent="0" algn="l" defTabSz="914400" rtl="0" eaLnBrk="1" fontAlgn="auto" latinLnBrk="0" hangingPunct="1">
+                        <a:lnSpc>
+                          <a:spcPct val="100000"/>
+                        </a:lnSpc>
+                        <a:spcBef>
+                          <a:spcPts val="0"/>
+                        </a:spcBef>
+                        <a:spcAft>
+                          <a:spcPts val="0"/>
+                        </a:spcAft>
+                        <a:buClrTx/>
+                        <a:buSzTx/>
+                        <a:buFontTx/>
+                        <a:buNone/>
+                        <a:tabLst/>
+                        <a:defRPr/>
+                      </a:pPr>
+                      <a:r>
+                        <a:rPr lang="en-US" sz="2000" dirty="0" smtClean="0">
+                          <a:latin typeface="Consolas" panose="020B0609020204030204" pitchFamily="49" charset="0"/>
+                          <a:cs typeface="Consolas" panose="020B0609020204030204" pitchFamily="49" charset="0"/>
+                        </a:rPr>
+                        <a:t>Exercise4.py</a:t>
+                      </a:r>
+                      <a:endParaRPr lang="en-US" sz="2000" dirty="0" smtClean="0">
+                        <a:latin typeface="Consolas" panose="020B0609020204030204" pitchFamily="49" charset="0"/>
+                        <a:cs typeface="Consolas" panose="020B0609020204030204" pitchFamily="49" charset="0"/>
+                      </a:endParaRPr>
+                    </a:p>
+                  </a:txBody>
+                  <a:tcPr>
+                    <a:solidFill>
+                      <a:srgbClr val="0070C0"/>
+                    </a:solidFill>
+                  </a:tcPr>
+                </a:tc>
+                <a:extLst>
+                  <a:ext uri="{0D108BD9-81ED-4DB2-BD59-A6C34878D82A}">
+                    <a16:rowId xmlns:a16="http://schemas.microsoft.com/office/drawing/2014/main" val="643227359"/>
+                  </a:ext>
+                </a:extLst>
+              </a:tr>
+            </a:tbl>
+          </a:graphicData>
+        </a:graphic>
+      </p:graphicFrame>
+      <p:graphicFrame>
+        <p:nvGraphicFramePr>
+          <p:cNvPr id="8" name="Table 7"/>
+          <p:cNvGraphicFramePr>
+            <a:graphicFrameLocks noGrp="1"/>
+          </p:cNvGraphicFramePr>
+          <p:nvPr>
+            <p:extLst>
+              <p:ext uri="{D42A27DB-BD31-4B8C-83A1-F6EECF244321}">
+                <p14:modId xmlns:p14="http://schemas.microsoft.com/office/powerpoint/2010/main" val="4064254929"/>
+              </p:ext>
+            </p:extLst>
+          </p:nvPr>
+        </p:nvGraphicFramePr>
+        <p:xfrm>
+          <a:off x="1181100" y="2362200"/>
+          <a:ext cx="4572000" cy="3615268"/>
+        </p:xfrm>
+        <a:graphic>
+          <a:graphicData uri="http://schemas.openxmlformats.org/drawingml/2006/table">
+            <a:tbl>
+              <a:tblPr firstRow="1" bandRow="1">
+                <a:tableStyleId>{5C22544A-7EE6-4342-B048-85BDC9FD1C3A}</a:tableStyleId>
+              </a:tblPr>
+              <a:tblGrid>
+                <a:gridCol w="4572000">
+                  <a:extLst>
+                    <a:ext uri="{9D8B030D-6E8A-4147-A177-3AD203B41FA5}">
+                      <a16:colId xmlns:a16="http://schemas.microsoft.com/office/drawing/2014/main" val="3049328480"/>
+                    </a:ext>
+                  </a:extLst>
+                </a:gridCol>
+              </a:tblGrid>
+              <a:tr h="3615268">
+                <a:tc>
+                  <a:txBody>
+                    <a:bodyPr/>
+                    <a:lstStyle/>
+                    <a:p>
+                      <a:pPr marL="0" marR="0" indent="0" algn="l" defTabSz="914400" rtl="0" eaLnBrk="1" fontAlgn="auto" latinLnBrk="0" hangingPunct="1">
+                        <a:lnSpc>
+                          <a:spcPct val="100000"/>
+                        </a:lnSpc>
+                        <a:spcBef>
+                          <a:spcPts val="0"/>
+                        </a:spcBef>
+                        <a:spcAft>
+                          <a:spcPts val="0"/>
+                        </a:spcAft>
+                        <a:buClrTx/>
+                        <a:buSzTx/>
+                        <a:buFont typeface="Wingdings" panose="05000000000000000000" pitchFamily="2" charset="2"/>
+                        <a:buNone/>
+                        <a:tabLst/>
+                        <a:defRPr/>
+                      </a:pPr>
+                      <a:r>
+                        <a:rPr lang="en-US" sz="1800" dirty="0" smtClean="0">
+                          <a:latin typeface="Consolas" panose="020B0609020204030204" pitchFamily="49" charset="0"/>
+                          <a:cs typeface="Consolas" panose="020B0609020204030204" pitchFamily="49" charset="0"/>
+                        </a:rPr>
+                        <a:t>&gt; python </a:t>
+                      </a:r>
+                      <a:r>
+                        <a:rPr lang="en-US" sz="1800" dirty="0" smtClean="0">
+                          <a:latin typeface="Consolas" panose="020B0609020204030204" pitchFamily="49" charset="0"/>
+                          <a:cs typeface="Consolas" panose="020B0609020204030204" pitchFamily="49" charset="0"/>
+                        </a:rPr>
+                        <a:t>Exercise4.py</a:t>
+                      </a:r>
+                      <a:endParaRPr lang="en-US" sz="1800" dirty="0" smtClean="0">
+                        <a:latin typeface="Consolas" panose="020B0609020204030204" pitchFamily="49" charset="0"/>
+                        <a:cs typeface="Consolas" panose="020B0609020204030204" pitchFamily="49" charset="0"/>
+                      </a:endParaRPr>
+                    </a:p>
+                    <a:p>
+                      <a:pPr marL="0" marR="0" indent="0" algn="l" defTabSz="914400" rtl="0" eaLnBrk="1" fontAlgn="auto" latinLnBrk="0" hangingPunct="1">
+                        <a:lnSpc>
+                          <a:spcPct val="100000"/>
+                        </a:lnSpc>
+                        <a:spcBef>
+                          <a:spcPts val="0"/>
+                        </a:spcBef>
+                        <a:spcAft>
+                          <a:spcPts val="0"/>
+                        </a:spcAft>
+                        <a:buClrTx/>
+                        <a:buSzTx/>
+                        <a:buFont typeface="Wingdings" panose="05000000000000000000" pitchFamily="2" charset="2"/>
+                        <a:buNone/>
+                        <a:tabLst/>
+                        <a:defRPr/>
+                      </a:pPr>
+                      <a:endParaRPr lang="en-US" sz="1800" dirty="0" smtClean="0">
+                        <a:latin typeface="Consolas" panose="020B0609020204030204" pitchFamily="49" charset="0"/>
+                        <a:cs typeface="Consolas" panose="020B0609020204030204" pitchFamily="49" charset="0"/>
+                      </a:endParaRPr>
+                    </a:p>
+                    <a:p>
+                      <a:pPr marL="0" marR="0" indent="0" algn="l" defTabSz="914400" rtl="0" eaLnBrk="1" fontAlgn="auto" latinLnBrk="0" hangingPunct="1">
+                        <a:lnSpc>
+                          <a:spcPct val="100000"/>
+                        </a:lnSpc>
+                        <a:spcBef>
+                          <a:spcPts val="0"/>
+                        </a:spcBef>
+                        <a:spcAft>
+                          <a:spcPts val="0"/>
+                        </a:spcAft>
+                        <a:buClrTx/>
+                        <a:buSzTx/>
+                        <a:buFont typeface="Wingdings" panose="05000000000000000000" pitchFamily="2" charset="2"/>
+                        <a:buNone/>
+                        <a:tabLst/>
+                        <a:defRPr/>
+                      </a:pPr>
+                      <a:r>
+                        <a:rPr lang="en-US" sz="1800" dirty="0" smtClean="0">
+                          <a:latin typeface="Consolas" panose="020B0609020204030204" pitchFamily="49" charset="0"/>
+                          <a:cs typeface="Consolas" panose="020B0609020204030204" pitchFamily="49" charset="0"/>
+                        </a:rPr>
+                        <a:t>{' ': 8, 'a': 1, 'c': 1, 'b': 1, 'e': 3, 'd': 1, 'g': 1, 'f': 1, '</a:t>
+                      </a:r>
+                      <a:r>
+                        <a:rPr lang="en-US" sz="1800" dirty="0" err="1" smtClean="0">
+                          <a:latin typeface="Consolas" panose="020B0609020204030204" pitchFamily="49" charset="0"/>
+                          <a:cs typeface="Consolas" panose="020B0609020204030204" pitchFamily="49" charset="0"/>
+                        </a:rPr>
+                        <a:t>i</a:t>
+                      </a:r>
+                      <a:r>
+                        <a:rPr lang="en-US" sz="1800" dirty="0" smtClean="0">
+                          <a:latin typeface="Consolas" panose="020B0609020204030204" pitchFamily="49" charset="0"/>
+                          <a:cs typeface="Consolas" panose="020B0609020204030204" pitchFamily="49" charset="0"/>
+                        </a:rPr>
+                        <a:t>': 1, 'h': 2, 'k': 1, 'j': 1, 'm': 1, 'l': 1, 'o': 4, 'n': 1, 'q': 1, 'p': 1, 's': 1, 'r': 2, 'u': 2, 't': 2, 'w': 1, 'v': 1, 'y': 1, 'x': 1, 'z': 1}</a:t>
+                      </a:r>
+                      <a:endParaRPr lang="en-US" sz="1800" dirty="0" smtClean="0">
+                        <a:latin typeface="Consolas" panose="020B0609020204030204" pitchFamily="49" charset="0"/>
+                        <a:cs typeface="Consolas" panose="020B0609020204030204" pitchFamily="49" charset="0"/>
+                      </a:endParaRPr>
+                    </a:p>
+                  </a:txBody>
+                  <a:tcPr/>
+                </a:tc>
+                <a:extLst>
+                  <a:ext uri="{0D108BD9-81ED-4DB2-BD59-A6C34878D82A}">
+                    <a16:rowId xmlns:a16="http://schemas.microsoft.com/office/drawing/2014/main" val="643227359"/>
+                  </a:ext>
+                </a:extLst>
+              </a:tr>
+            </a:tbl>
+          </a:graphicData>
+        </a:graphic>
+      </p:graphicFrame>
     </p:spTree>
     <p:extLst>
       <p:ext uri="{BB962C8B-B14F-4D97-AF65-F5344CB8AC3E}">
@@ -37313,7 +38716,6 @@
               <a:rPr lang="en-US" dirty="0" smtClean="0"/>
               <a:t>)</a:t>
             </a:r>
-            <a:endParaRPr lang="en-US" dirty="0" smtClean="0"/>
           </a:p>
         </p:txBody>
       </p:sp>
